--- a/docs/基本設計/ワイヤーフレーム/ポーカー拡張 ワイヤーフレーム.pptx
+++ b/docs/基本設計/ワイヤーフレーム/ポーカー拡張 ワイヤーフレーム.pptx
@@ -11,6 +11,7 @@
     <p:sldId id="260" r:id="rId5"/>
     <p:sldId id="261" r:id="rId6"/>
     <p:sldId id="262" r:id="rId7"/>
+    <p:sldId id="263" r:id="rId8"/>
   </p:sldIdLst>
   <p:sldSz cx="12192000" cy="6858000"/>
   <p:notesSz cx="6858000" cy="9144000"/>
@@ -303,7 +304,7 @@
           <a:p>
             <a:fld id="{785A0BD1-29D6-4752-A5E1-17D5BBF1E555}" type="datetimeFigureOut">
               <a:rPr kumimoji="1" lang="ja-JP" altLang="en-US" smtClean="0"/>
-              <a:t>2019/1/18</a:t>
+              <a:t>2019/1/20</a:t>
             </a:fld>
             <a:endParaRPr kumimoji="1" lang="ja-JP" altLang="en-US"/>
           </a:p>
@@ -578,7 +579,7 @@
           <a:p>
             <a:fld id="{785A0BD1-29D6-4752-A5E1-17D5BBF1E555}" type="datetimeFigureOut">
               <a:rPr kumimoji="1" lang="ja-JP" altLang="en-US" smtClean="0"/>
-              <a:t>2019/1/18</a:t>
+              <a:t>2019/1/20</a:t>
             </a:fld>
             <a:endParaRPr kumimoji="1" lang="ja-JP" altLang="en-US"/>
           </a:p>
@@ -772,7 +773,7 @@
           <a:p>
             <a:fld id="{785A0BD1-29D6-4752-A5E1-17D5BBF1E555}" type="datetimeFigureOut">
               <a:rPr kumimoji="1" lang="ja-JP" altLang="en-US" smtClean="0"/>
-              <a:t>2019/1/18</a:t>
+              <a:t>2019/1/20</a:t>
             </a:fld>
             <a:endParaRPr kumimoji="1" lang="ja-JP" altLang="en-US"/>
           </a:p>
@@ -1045,7 +1046,7 @@
           <a:p>
             <a:fld id="{785A0BD1-29D6-4752-A5E1-17D5BBF1E555}" type="datetimeFigureOut">
               <a:rPr kumimoji="1" lang="ja-JP" altLang="en-US" smtClean="0"/>
-              <a:t>2019/1/18</a:t>
+              <a:t>2019/1/20</a:t>
             </a:fld>
             <a:endParaRPr kumimoji="1" lang="ja-JP" altLang="en-US"/>
           </a:p>
@@ -1386,7 +1387,7 @@
           <a:p>
             <a:fld id="{785A0BD1-29D6-4752-A5E1-17D5BBF1E555}" type="datetimeFigureOut">
               <a:rPr kumimoji="1" lang="ja-JP" altLang="en-US" smtClean="0"/>
-              <a:t>2019/1/18</a:t>
+              <a:t>2019/1/20</a:t>
             </a:fld>
             <a:endParaRPr kumimoji="1" lang="ja-JP" altLang="en-US"/>
           </a:p>
@@ -2009,7 +2010,7 @@
           <a:p>
             <a:fld id="{785A0BD1-29D6-4752-A5E1-17D5BBF1E555}" type="datetimeFigureOut">
               <a:rPr kumimoji="1" lang="ja-JP" altLang="en-US" smtClean="0"/>
-              <a:t>2019/1/18</a:t>
+              <a:t>2019/1/20</a:t>
             </a:fld>
             <a:endParaRPr kumimoji="1" lang="ja-JP" altLang="en-US"/>
           </a:p>
@@ -2869,7 +2870,7 @@
           <a:p>
             <a:fld id="{785A0BD1-29D6-4752-A5E1-17D5BBF1E555}" type="datetimeFigureOut">
               <a:rPr kumimoji="1" lang="ja-JP" altLang="en-US" smtClean="0"/>
-              <a:t>2019/1/18</a:t>
+              <a:t>2019/1/20</a:t>
             </a:fld>
             <a:endParaRPr kumimoji="1" lang="ja-JP" altLang="en-US"/>
           </a:p>
@@ -3071,7 +3072,7 @@
           <a:p>
             <a:fld id="{785A0BD1-29D6-4752-A5E1-17D5BBF1E555}" type="datetimeFigureOut">
               <a:rPr kumimoji="1" lang="ja-JP" altLang="en-US" smtClean="0"/>
-              <a:t>2019/1/18</a:t>
+              <a:t>2019/1/20</a:t>
             </a:fld>
             <a:endParaRPr kumimoji="1" lang="ja-JP" altLang="en-US"/>
           </a:p>
@@ -3283,7 +3284,7 @@
           <a:p>
             <a:fld id="{785A0BD1-29D6-4752-A5E1-17D5BBF1E555}" type="datetimeFigureOut">
               <a:rPr kumimoji="1" lang="ja-JP" altLang="en-US" smtClean="0"/>
-              <a:t>2019/1/18</a:t>
+              <a:t>2019/1/20</a:t>
             </a:fld>
             <a:endParaRPr kumimoji="1" lang="ja-JP" altLang="en-US"/>
           </a:p>
@@ -3485,7 +3486,7 @@
           <a:p>
             <a:fld id="{785A0BD1-29D6-4752-A5E1-17D5BBF1E555}" type="datetimeFigureOut">
               <a:rPr kumimoji="1" lang="ja-JP" altLang="en-US" smtClean="0"/>
-              <a:t>2019/1/18</a:t>
+              <a:t>2019/1/20</a:t>
             </a:fld>
             <a:endParaRPr kumimoji="1" lang="ja-JP" altLang="en-US"/>
           </a:p>
@@ -3732,7 +3733,7 @@
           <a:p>
             <a:fld id="{785A0BD1-29D6-4752-A5E1-17D5BBF1E555}" type="datetimeFigureOut">
               <a:rPr kumimoji="1" lang="ja-JP" altLang="en-US" smtClean="0"/>
-              <a:t>2019/1/18</a:t>
+              <a:t>2019/1/20</a:t>
             </a:fld>
             <a:endParaRPr kumimoji="1" lang="ja-JP" altLang="en-US"/>
           </a:p>
@@ -4088,7 +4089,7 @@
           <a:p>
             <a:fld id="{785A0BD1-29D6-4752-A5E1-17D5BBF1E555}" type="datetimeFigureOut">
               <a:rPr kumimoji="1" lang="ja-JP" altLang="en-US" smtClean="0"/>
-              <a:t>2019/1/18</a:t>
+              <a:t>2019/1/20</a:t>
             </a:fld>
             <a:endParaRPr kumimoji="1" lang="ja-JP" altLang="en-US"/>
           </a:p>
@@ -4596,7 +4597,7 @@
           <a:p>
             <a:fld id="{785A0BD1-29D6-4752-A5E1-17D5BBF1E555}" type="datetimeFigureOut">
               <a:rPr kumimoji="1" lang="ja-JP" altLang="en-US" smtClean="0"/>
-              <a:t>2019/1/18</a:t>
+              <a:t>2019/1/20</a:t>
             </a:fld>
             <a:endParaRPr kumimoji="1" lang="ja-JP" altLang="en-US"/>
           </a:p>
@@ -4714,7 +4715,7 @@
           <a:p>
             <a:fld id="{785A0BD1-29D6-4752-A5E1-17D5BBF1E555}" type="datetimeFigureOut">
               <a:rPr kumimoji="1" lang="ja-JP" altLang="en-US" smtClean="0"/>
-              <a:t>2019/1/18</a:t>
+              <a:t>2019/1/20</a:t>
             </a:fld>
             <a:endParaRPr kumimoji="1" lang="ja-JP" altLang="en-US"/>
           </a:p>
@@ -4809,7 +4810,7 @@
           <a:p>
             <a:fld id="{785A0BD1-29D6-4752-A5E1-17D5BBF1E555}" type="datetimeFigureOut">
               <a:rPr kumimoji="1" lang="ja-JP" altLang="en-US" smtClean="0"/>
-              <a:t>2019/1/18</a:t>
+              <a:t>2019/1/20</a:t>
             </a:fld>
             <a:endParaRPr kumimoji="1" lang="ja-JP" altLang="en-US"/>
           </a:p>
@@ -5120,7 +5121,7 @@
           <a:p>
             <a:fld id="{785A0BD1-29D6-4752-A5E1-17D5BBF1E555}" type="datetimeFigureOut">
               <a:rPr kumimoji="1" lang="ja-JP" altLang="en-US" smtClean="0"/>
-              <a:t>2019/1/18</a:t>
+              <a:t>2019/1/20</a:t>
             </a:fld>
             <a:endParaRPr kumimoji="1" lang="ja-JP" altLang="en-US"/>
           </a:p>
@@ -5395,7 +5396,7 @@
           <a:p>
             <a:fld id="{785A0BD1-29D6-4752-A5E1-17D5BBF1E555}" type="datetimeFigureOut">
               <a:rPr kumimoji="1" lang="ja-JP" altLang="en-US" smtClean="0"/>
-              <a:t>2019/1/18</a:t>
+              <a:t>2019/1/20</a:t>
             </a:fld>
             <a:endParaRPr kumimoji="1" lang="ja-JP" altLang="en-US"/>
           </a:p>
@@ -5856,7 +5857,7 @@
           <a:p>
             <a:fld id="{785A0BD1-29D6-4752-A5E1-17D5BBF1E555}" type="datetimeFigureOut">
               <a:rPr kumimoji="1" lang="ja-JP" altLang="en-US" smtClean="0"/>
-              <a:t>2019/1/18</a:t>
+              <a:t>2019/1/20</a:t>
             </a:fld>
             <a:endParaRPr kumimoji="1" lang="ja-JP" altLang="en-US"/>
           </a:p>
@@ -9146,6 +9147,652 @@
 </p:sld>
 </file>
 
+<file path=ppt/slides/slide7.xml><?xml version="1.0" encoding="utf-8"?>
+<p:sld xmlns:a="http://schemas.openxmlformats.org/drawingml/2006/main" xmlns:r="http://schemas.openxmlformats.org/officeDocument/2006/relationships" xmlns:p="http://schemas.openxmlformats.org/presentationml/2006/main">
+  <p:cSld>
+    <p:spTree>
+      <p:nvGrpSpPr>
+        <p:cNvPr id="1" name=""/>
+        <p:cNvGrpSpPr/>
+        <p:nvPr/>
+      </p:nvGrpSpPr>
+      <p:grpSpPr>
+        <a:xfrm>
+          <a:off x="0" y="0"/>
+          <a:ext cx="0" cy="0"/>
+          <a:chOff x="0" y="0"/>
+          <a:chExt cx="0" cy="0"/>
+        </a:xfrm>
+      </p:grpSpPr>
+      <p:sp>
+        <p:nvSpPr>
+          <p:cNvPr id="2" name="タイトル 1">
+            <a:extLst>
+              <a:ext uri="{FF2B5EF4-FFF2-40B4-BE49-F238E27FC236}">
+                <a16:creationId xmlns:a16="http://schemas.microsoft.com/office/drawing/2014/main" id="{40002CE8-C368-4C16-B02C-05DF57DAD1D4}"/>
+              </a:ext>
+            </a:extLst>
+          </p:cNvPr>
+          <p:cNvSpPr>
+            <a:spLocks noGrp="1"/>
+          </p:cNvSpPr>
+          <p:nvPr>
+            <p:ph type="title"/>
+          </p:nvPr>
+        </p:nvSpPr>
+        <p:spPr/>
+        <p:txBody>
+          <a:bodyPr/>
+          <a:lstStyle/>
+          <a:p>
+            <a:r>
+              <a:rPr kumimoji="1" lang="ja-JP" altLang="en-US" dirty="0"/>
+              <a:t>改訂履歴</a:t>
+            </a:r>
+          </a:p>
+        </p:txBody>
+      </p:sp>
+      <p:graphicFrame>
+        <p:nvGraphicFramePr>
+          <p:cNvPr id="5" name="表 4">
+            <a:extLst>
+              <a:ext uri="{FF2B5EF4-FFF2-40B4-BE49-F238E27FC236}">
+                <a16:creationId xmlns:a16="http://schemas.microsoft.com/office/drawing/2014/main" id="{C6C76650-A5D0-49E3-B1E0-C5E2C2FFCE4B}"/>
+              </a:ext>
+            </a:extLst>
+          </p:cNvPr>
+          <p:cNvGraphicFramePr>
+            <a:graphicFrameLocks noGrp="1"/>
+          </p:cNvGraphicFramePr>
+          <p:nvPr>
+            <p:extLst>
+              <p:ext uri="{D42A27DB-BD31-4B8C-83A1-F6EECF244321}">
+                <p14:modId xmlns:p14="http://schemas.microsoft.com/office/powerpoint/2010/main" val="1967753698"/>
+              </p:ext>
+            </p:extLst>
+          </p:nvPr>
+        </p:nvGraphicFramePr>
+        <p:xfrm>
+          <a:off x="838616" y="1314702"/>
+          <a:ext cx="11016499" cy="4717130"/>
+        </p:xfrm>
+        <a:graphic>
+          <a:graphicData uri="http://schemas.openxmlformats.org/drawingml/2006/table">
+            <a:tbl>
+              <a:tblPr firstRow="1" bandRow="1">
+                <a:tableStyleId>{5C22544A-7EE6-4342-B048-85BDC9FD1C3A}</a:tableStyleId>
+              </a:tblPr>
+              <a:tblGrid>
+                <a:gridCol w="1832110">
+                  <a:extLst>
+                    <a:ext uri="{9D8B030D-6E8A-4147-A177-3AD203B41FA5}">
+                      <a16:colId xmlns:a16="http://schemas.microsoft.com/office/drawing/2014/main" val="1486918142"/>
+                    </a:ext>
+                  </a:extLst>
+                </a:gridCol>
+                <a:gridCol w="3465714">
+                  <a:extLst>
+                    <a:ext uri="{9D8B030D-6E8A-4147-A177-3AD203B41FA5}">
+                      <a16:colId xmlns:a16="http://schemas.microsoft.com/office/drawing/2014/main" val="3994155353"/>
+                    </a:ext>
+                  </a:extLst>
+                </a:gridCol>
+                <a:gridCol w="1025223">
+                  <a:extLst>
+                    <a:ext uri="{9D8B030D-6E8A-4147-A177-3AD203B41FA5}">
+                      <a16:colId xmlns:a16="http://schemas.microsoft.com/office/drawing/2014/main" val="40707195"/>
+                    </a:ext>
+                  </a:extLst>
+                </a:gridCol>
+                <a:gridCol w="1113098">
+                  <a:extLst>
+                    <a:ext uri="{9D8B030D-6E8A-4147-A177-3AD203B41FA5}">
+                      <a16:colId xmlns:a16="http://schemas.microsoft.com/office/drawing/2014/main" val="2980445947"/>
+                    </a:ext>
+                  </a:extLst>
+                </a:gridCol>
+                <a:gridCol w="3580354">
+                  <a:extLst>
+                    <a:ext uri="{9D8B030D-6E8A-4147-A177-3AD203B41FA5}">
+                      <a16:colId xmlns:a16="http://schemas.microsoft.com/office/drawing/2014/main" val="3752109959"/>
+                    </a:ext>
+                  </a:extLst>
+                </a:gridCol>
+              </a:tblGrid>
+              <a:tr h="524126">
+                <a:tc>
+                  <a:txBody>
+                    <a:bodyPr/>
+                    <a:lstStyle/>
+                    <a:p>
+                      <a:r>
+                        <a:rPr kumimoji="1" lang="ja-JP" altLang="en-US" sz="1400" dirty="0"/>
+                        <a:t>バージョン</a:t>
+                      </a:r>
+                    </a:p>
+                  </a:txBody>
+                  <a:tcPr/>
+                </a:tc>
+                <a:tc>
+                  <a:txBody>
+                    <a:bodyPr/>
+                    <a:lstStyle/>
+                    <a:p>
+                      <a:r>
+                        <a:rPr kumimoji="1" lang="ja-JP" altLang="en-US" sz="1400" dirty="0"/>
+                        <a:t>新規作成</a:t>
+                      </a:r>
+                    </a:p>
+                  </a:txBody>
+                  <a:tcPr/>
+                </a:tc>
+                <a:tc>
+                  <a:txBody>
+                    <a:bodyPr/>
+                    <a:lstStyle/>
+                    <a:p>
+                      <a:r>
+                        <a:rPr kumimoji="1" lang="ja-JP" altLang="en-US" sz="1400" dirty="0"/>
+                        <a:t>改修対象</a:t>
+                      </a:r>
+                    </a:p>
+                  </a:txBody>
+                  <a:tcPr/>
+                </a:tc>
+                <a:tc>
+                  <a:txBody>
+                    <a:bodyPr/>
+                    <a:lstStyle/>
+                    <a:p>
+                      <a:r>
+                        <a:rPr kumimoji="1" lang="ja-JP" altLang="en-US" sz="1400" dirty="0"/>
+                        <a:t>削除対象</a:t>
+                      </a:r>
+                    </a:p>
+                  </a:txBody>
+                  <a:tcPr/>
+                </a:tc>
+                <a:tc>
+                  <a:txBody>
+                    <a:bodyPr/>
+                    <a:lstStyle/>
+                    <a:p>
+                      <a:r>
+                        <a:rPr kumimoji="1" lang="ja-JP" altLang="en-US" sz="1400" dirty="0"/>
+                        <a:t>改修内容</a:t>
+                      </a:r>
+                    </a:p>
+                  </a:txBody>
+                  <a:tcPr/>
+                </a:tc>
+                <a:extLst>
+                  <a:ext uri="{0D108BD9-81ED-4DB2-BD59-A6C34878D82A}">
+                    <a16:rowId xmlns:a16="http://schemas.microsoft.com/office/drawing/2014/main" val="667090956"/>
+                  </a:ext>
+                </a:extLst>
+              </a:tr>
+              <a:tr h="1198001">
+                <a:tc>
+                  <a:txBody>
+                    <a:bodyPr/>
+                    <a:lstStyle/>
+                    <a:p>
+                      <a:r>
+                        <a:rPr kumimoji="1" lang="en-US" altLang="ja-JP" sz="1400" dirty="0"/>
+                        <a:t>V1.0</a:t>
+                      </a:r>
+                      <a:endParaRPr kumimoji="1" lang="ja-JP" altLang="en-US" sz="1400" dirty="0"/>
+                    </a:p>
+                  </a:txBody>
+                  <a:tcPr/>
+                </a:tc>
+                <a:tc>
+                  <a:txBody>
+                    <a:bodyPr/>
+                    <a:lstStyle/>
+                    <a:p>
+                      <a:r>
+                        <a:rPr kumimoji="1" lang="ja-JP" altLang="en-US" sz="1400" dirty="0"/>
+                        <a:t>ユーザー登録画面</a:t>
+                      </a:r>
+                      <a:endParaRPr kumimoji="1" lang="en-US" altLang="ja-JP" sz="1400" dirty="0"/>
+                    </a:p>
+                    <a:p>
+                      <a:r>
+                        <a:rPr kumimoji="1" lang="ja-JP" altLang="en-US" sz="1400" dirty="0"/>
+                        <a:t>ログイン画面</a:t>
+                      </a:r>
+                      <a:endParaRPr kumimoji="1" lang="en-US" altLang="ja-JP" sz="1400" dirty="0"/>
+                    </a:p>
+                    <a:p>
+                      <a:r>
+                        <a:rPr kumimoji="1" lang="ja-JP" altLang="en-US" sz="1400" dirty="0"/>
+                        <a:t>ランキング表示画面</a:t>
+                      </a:r>
+                      <a:endParaRPr kumimoji="1" lang="en-US" altLang="ja-JP" sz="1400" dirty="0"/>
+                    </a:p>
+                    <a:p>
+                      <a:r>
+                        <a:rPr kumimoji="1" lang="ja-JP" altLang="en-US" sz="1400" dirty="0"/>
+                        <a:t>ベット画面</a:t>
+                      </a:r>
+                      <a:r>
+                        <a:rPr kumimoji="1" lang="en-US" altLang="ja-JP" sz="1400" dirty="0"/>
+                        <a:t>(</a:t>
+                      </a:r>
+                      <a:r>
+                        <a:rPr lang="ja-JP" altLang="en-US" sz="1400" dirty="0"/>
+                        <a:t>ベット額を決める</a:t>
+                      </a:r>
+                      <a:r>
+                        <a:rPr kumimoji="1" lang="en-US" altLang="ja-JP" sz="1400" dirty="0"/>
+                        <a:t>)</a:t>
+                      </a:r>
+                    </a:p>
+                    <a:p>
+                      <a:r>
+                        <a:rPr kumimoji="1" lang="ja-JP" altLang="en-US" sz="1400" dirty="0"/>
+                        <a:t>ベット画面</a:t>
+                      </a:r>
+                      <a:r>
+                        <a:rPr kumimoji="1" lang="en-US" altLang="ja-JP" sz="1400" dirty="0"/>
+                        <a:t>(</a:t>
+                      </a:r>
+                      <a:r>
+                        <a:rPr lang="ja-JP" altLang="en-US" sz="1400" dirty="0"/>
+                        <a:t>勝負するか決める</a:t>
+                      </a:r>
+                      <a:r>
+                        <a:rPr kumimoji="1" lang="en-US" altLang="ja-JP" sz="1400" dirty="0"/>
+                        <a:t>)</a:t>
+                      </a:r>
+                      <a:endParaRPr kumimoji="1" lang="ja-JP" altLang="en-US" sz="1400" dirty="0"/>
+                    </a:p>
+                  </a:txBody>
+                  <a:tcPr/>
+                </a:tc>
+                <a:tc>
+                  <a:txBody>
+                    <a:bodyPr/>
+                    <a:lstStyle/>
+                    <a:p>
+                      <a:pPr algn="ctr"/>
+                      <a:r>
+                        <a:rPr kumimoji="1" lang="en-US" altLang="ja-JP" sz="1400" dirty="0"/>
+                        <a:t>-</a:t>
+                      </a:r>
+                      <a:endParaRPr kumimoji="1" lang="ja-JP" altLang="en-US" sz="1400" dirty="0"/>
+                    </a:p>
+                  </a:txBody>
+                  <a:tcPr/>
+                </a:tc>
+                <a:tc>
+                  <a:txBody>
+                    <a:bodyPr/>
+                    <a:lstStyle/>
+                    <a:p>
+                      <a:pPr algn="ctr"/>
+                      <a:r>
+                        <a:rPr kumimoji="1" lang="en-US" altLang="ja-JP" sz="1400" dirty="0"/>
+                        <a:t>-</a:t>
+                      </a:r>
+                      <a:endParaRPr kumimoji="1" lang="ja-JP" altLang="en-US" sz="1400" dirty="0"/>
+                    </a:p>
+                  </a:txBody>
+                  <a:tcPr/>
+                </a:tc>
+                <a:tc>
+                  <a:txBody>
+                    <a:bodyPr/>
+                    <a:lstStyle/>
+                    <a:p>
+                      <a:r>
+                        <a:rPr kumimoji="1" lang="ja-JP" altLang="en-US" sz="1400" dirty="0"/>
+                        <a:t>新規作成</a:t>
+                      </a:r>
+                    </a:p>
+                  </a:txBody>
+                  <a:tcPr/>
+                </a:tc>
+                <a:extLst>
+                  <a:ext uri="{0D108BD9-81ED-4DB2-BD59-A6C34878D82A}">
+                    <a16:rowId xmlns:a16="http://schemas.microsoft.com/office/drawing/2014/main" val="597729800"/>
+                  </a:ext>
+                </a:extLst>
+              </a:tr>
+              <a:tr h="2995003">
+                <a:tc>
+                  <a:txBody>
+                    <a:bodyPr/>
+                    <a:lstStyle/>
+                    <a:p>
+                      <a:pPr marL="0" marR="0" lvl="0" indent="0" algn="l" defTabSz="457200" rtl="0" eaLnBrk="1" fontAlgn="auto" latinLnBrk="0" hangingPunct="1">
+                        <a:lnSpc>
+                          <a:spcPct val="100000"/>
+                        </a:lnSpc>
+                        <a:spcBef>
+                          <a:spcPts val="0"/>
+                        </a:spcBef>
+                        <a:spcAft>
+                          <a:spcPts val="0"/>
+                        </a:spcAft>
+                        <a:buClrTx/>
+                        <a:buSzTx/>
+                        <a:buFontTx/>
+                        <a:buNone/>
+                        <a:tabLst/>
+                        <a:defRPr/>
+                      </a:pPr>
+                      <a:r>
+                        <a:rPr kumimoji="1" lang="en-US" altLang="ja-JP" sz="1400" dirty="0"/>
+                        <a:t>V2.0</a:t>
+                      </a:r>
+                      <a:endParaRPr kumimoji="1" lang="ja-JP" altLang="en-US" sz="1400" dirty="0"/>
+                    </a:p>
+                    <a:p>
+                      <a:endParaRPr kumimoji="1" lang="ja-JP" altLang="en-US" sz="1400" dirty="0"/>
+                    </a:p>
+                  </a:txBody>
+                  <a:tcPr/>
+                </a:tc>
+                <a:tc>
+                  <a:txBody>
+                    <a:bodyPr/>
+                    <a:lstStyle/>
+                    <a:p>
+                      <a:r>
+                        <a:rPr kumimoji="1" lang="ja-JP" altLang="en-US" sz="1400" dirty="0"/>
+                        <a:t>ユーザー登録画面</a:t>
+                      </a:r>
+                      <a:endParaRPr kumimoji="1" lang="en-US" altLang="ja-JP" sz="1400" dirty="0"/>
+                    </a:p>
+                    <a:p>
+                      <a:r>
+                        <a:rPr kumimoji="1" lang="ja-JP" altLang="en-US" sz="1400" dirty="0"/>
+                        <a:t>ログイン画面</a:t>
+                      </a:r>
+                      <a:endParaRPr kumimoji="1" lang="en-US" altLang="ja-JP" sz="1400" dirty="0"/>
+                    </a:p>
+                    <a:p>
+                      <a:r>
+                        <a:rPr kumimoji="1" lang="ja-JP" altLang="en-US" sz="1400" dirty="0"/>
+                        <a:t>ベット画面</a:t>
+                      </a:r>
+                      <a:r>
+                        <a:rPr kumimoji="1" lang="en-US" altLang="ja-JP" sz="1400" dirty="0"/>
+                        <a:t>(</a:t>
+                      </a:r>
+                      <a:r>
+                        <a:rPr lang="ja-JP" altLang="en-US" sz="1400" dirty="0"/>
+                        <a:t>ベット額を決める</a:t>
+                      </a:r>
+                      <a:r>
+                        <a:rPr kumimoji="1" lang="en-US" altLang="ja-JP" sz="1400" dirty="0"/>
+                        <a:t>)</a:t>
+                      </a:r>
+                    </a:p>
+                  </a:txBody>
+                  <a:tcPr/>
+                </a:tc>
+                <a:tc>
+                  <a:txBody>
+                    <a:bodyPr/>
+                    <a:lstStyle/>
+                    <a:p>
+                      <a:pPr algn="ctr"/>
+                      <a:r>
+                        <a:rPr kumimoji="1" lang="en-US" altLang="ja-JP" sz="1400" dirty="0"/>
+                        <a:t>-</a:t>
+                      </a:r>
+                      <a:endParaRPr kumimoji="1" lang="ja-JP" altLang="en-US" sz="1400" dirty="0"/>
+                    </a:p>
+                  </a:txBody>
+                  <a:tcPr/>
+                </a:tc>
+                <a:tc>
+                  <a:txBody>
+                    <a:bodyPr/>
+                    <a:lstStyle/>
+                    <a:p>
+                      <a:pPr algn="ctr"/>
+                      <a:r>
+                        <a:rPr kumimoji="1" lang="en-US" altLang="ja-JP" sz="1400" dirty="0"/>
+                        <a:t>-</a:t>
+                      </a:r>
+                      <a:endParaRPr kumimoji="1" lang="ja-JP" altLang="en-US" sz="1400" dirty="0"/>
+                    </a:p>
+                  </a:txBody>
+                  <a:tcPr/>
+                </a:tc>
+                <a:tc>
+                  <a:txBody>
+                    <a:bodyPr/>
+                    <a:lstStyle/>
+                    <a:p>
+                      <a:r>
+                        <a:rPr kumimoji="1" lang="ja-JP" altLang="en-US" sz="1400" dirty="0"/>
+                        <a:t>ユーザー登録画面</a:t>
+                      </a:r>
+                      <a:endParaRPr kumimoji="1" lang="en-US" altLang="ja-JP" sz="1400" dirty="0"/>
+                    </a:p>
+                    <a:p>
+                      <a:r>
+                        <a:rPr kumimoji="1" lang="en-US" altLang="ja-JP" sz="1400" dirty="0"/>
+                        <a:t>------------------------</a:t>
+                      </a:r>
+                    </a:p>
+                    <a:p>
+                      <a:pPr marL="0" marR="0" lvl="0" indent="0" algn="l" defTabSz="457200" rtl="0" eaLnBrk="1" fontAlgn="auto" latinLnBrk="0" hangingPunct="1">
+                        <a:lnSpc>
+                          <a:spcPct val="100000"/>
+                        </a:lnSpc>
+                        <a:spcBef>
+                          <a:spcPts val="0"/>
+                        </a:spcBef>
+                        <a:spcAft>
+                          <a:spcPts val="0"/>
+                        </a:spcAft>
+                        <a:buClrTx/>
+                        <a:buSzTx/>
+                        <a:buFontTx/>
+                        <a:buNone/>
+                        <a:tabLst/>
+                        <a:defRPr/>
+                      </a:pPr>
+                      <a:r>
+                        <a:rPr kumimoji="1" lang="ja-JP" altLang="en-US" sz="1400" dirty="0"/>
+                        <a:t>・「</a:t>
+                      </a:r>
+                      <a:r>
+                        <a:rPr kumimoji="1" lang="ja-JP" altLang="en-US" sz="1400" dirty="0">
+                          <a:solidFill>
+                            <a:schemeClr val="bg1"/>
+                          </a:solidFill>
+                        </a:rPr>
+                        <a:t>エラーメッセージ」を追加</a:t>
+                      </a:r>
+                      <a:endParaRPr kumimoji="1" lang="en-US" altLang="ja-JP" sz="1400" dirty="0">
+                        <a:solidFill>
+                          <a:schemeClr val="bg1"/>
+                        </a:solidFill>
+                      </a:endParaRPr>
+                    </a:p>
+                    <a:p>
+                      <a:pPr marL="0" marR="0" lvl="0" indent="0" algn="l" defTabSz="457200" rtl="0" eaLnBrk="1" fontAlgn="auto" latinLnBrk="0" hangingPunct="1">
+                        <a:lnSpc>
+                          <a:spcPct val="100000"/>
+                        </a:lnSpc>
+                        <a:spcBef>
+                          <a:spcPts val="0"/>
+                        </a:spcBef>
+                        <a:spcAft>
+                          <a:spcPts val="0"/>
+                        </a:spcAft>
+                        <a:buClrTx/>
+                        <a:buSzTx/>
+                        <a:buFontTx/>
+                        <a:buNone/>
+                        <a:tabLst/>
+                        <a:defRPr/>
+                      </a:pPr>
+                      <a:endParaRPr kumimoji="1" lang="en-US" altLang="ja-JP" sz="1400" dirty="0"/>
+                    </a:p>
+                    <a:p>
+                      <a:r>
+                        <a:rPr kumimoji="1" lang="ja-JP" altLang="en-US" sz="1400" dirty="0"/>
+                        <a:t>ログイン画面</a:t>
+                      </a:r>
+                      <a:endParaRPr kumimoji="1" lang="en-US" altLang="ja-JP" sz="1400" dirty="0"/>
+                    </a:p>
+                    <a:p>
+                      <a:r>
+                        <a:rPr kumimoji="1" lang="en-US" altLang="ja-JP" sz="1400" dirty="0"/>
+                        <a:t>----------------------</a:t>
+                      </a:r>
+                    </a:p>
+                    <a:p>
+                      <a:r>
+                        <a:rPr kumimoji="1" lang="ja-JP" altLang="en-US" sz="1400" dirty="0"/>
+                        <a:t>・「</a:t>
+                      </a:r>
+                      <a:r>
+                        <a:rPr kumimoji="1" lang="ja-JP" altLang="en-US" sz="1400" dirty="0">
+                          <a:solidFill>
+                            <a:schemeClr val="bg1"/>
+                          </a:solidFill>
+                        </a:rPr>
+                        <a:t>エラーメッセージ」を追加</a:t>
+                      </a:r>
+                      <a:endParaRPr kumimoji="1" lang="en-US" altLang="ja-JP" sz="1400" dirty="0">
+                        <a:solidFill>
+                          <a:schemeClr val="bg1"/>
+                        </a:solidFill>
+                      </a:endParaRPr>
+                    </a:p>
+                    <a:p>
+                      <a:endParaRPr kumimoji="1" lang="en-US" altLang="ja-JP" sz="1400" dirty="0"/>
+                    </a:p>
+                    <a:p>
+                      <a:r>
+                        <a:rPr kumimoji="1" lang="ja-JP" altLang="en-US" sz="1400" dirty="0"/>
+                        <a:t>ベット画面</a:t>
+                      </a:r>
+                      <a:r>
+                        <a:rPr kumimoji="1" lang="en-US" altLang="ja-JP" sz="1400" dirty="0"/>
+                        <a:t>(</a:t>
+                      </a:r>
+                      <a:r>
+                        <a:rPr lang="ja-JP" altLang="en-US" sz="1400" dirty="0"/>
+                        <a:t>ベット額を決める</a:t>
+                      </a:r>
+                      <a:r>
+                        <a:rPr lang="en-US" altLang="ja-JP" sz="1400" dirty="0"/>
+                        <a:t>)</a:t>
+                      </a:r>
+                    </a:p>
+                    <a:p>
+                      <a:r>
+                        <a:rPr kumimoji="1" lang="en-US" altLang="ja-JP" sz="1400" dirty="0"/>
+                        <a:t>----------------------------------</a:t>
+                      </a:r>
+                    </a:p>
+                    <a:p>
+                      <a:pPr marL="0" marR="0" lvl="0" indent="0" algn="l" defTabSz="457200" rtl="0" eaLnBrk="1" fontAlgn="auto" latinLnBrk="0" hangingPunct="1">
+                        <a:lnSpc>
+                          <a:spcPct val="100000"/>
+                        </a:lnSpc>
+                        <a:spcBef>
+                          <a:spcPts val="0"/>
+                        </a:spcBef>
+                        <a:spcAft>
+                          <a:spcPts val="0"/>
+                        </a:spcAft>
+                        <a:buClrTx/>
+                        <a:buSzTx/>
+                        <a:buFontTx/>
+                        <a:buNone/>
+                        <a:tabLst/>
+                        <a:defRPr/>
+                      </a:pPr>
+                      <a:r>
+                        <a:rPr kumimoji="1" lang="ja-JP" altLang="en-US" sz="1400" dirty="0"/>
+                        <a:t>・「</a:t>
+                      </a:r>
+                      <a:r>
+                        <a:rPr kumimoji="1" lang="ja-JP" altLang="en-US" sz="1400" dirty="0">
+                          <a:solidFill>
+                            <a:schemeClr val="bg1"/>
+                          </a:solidFill>
+                        </a:rPr>
+                        <a:t>エラーメッセージ」を追加</a:t>
+                      </a:r>
+                      <a:endParaRPr kumimoji="1" lang="en-US" altLang="ja-JP" sz="1400" dirty="0">
+                        <a:solidFill>
+                          <a:schemeClr val="bg1"/>
+                        </a:solidFill>
+                      </a:endParaRPr>
+                    </a:p>
+                    <a:p>
+                      <a:pPr marL="0" marR="0" lvl="0" indent="0" algn="l" defTabSz="457200" rtl="0" eaLnBrk="1" fontAlgn="auto" latinLnBrk="0" hangingPunct="1">
+                        <a:lnSpc>
+                          <a:spcPct val="100000"/>
+                        </a:lnSpc>
+                        <a:spcBef>
+                          <a:spcPts val="0"/>
+                        </a:spcBef>
+                        <a:spcAft>
+                          <a:spcPts val="0"/>
+                        </a:spcAft>
+                        <a:buClrTx/>
+                        <a:buSzTx/>
+                        <a:buFontTx/>
+                        <a:buNone/>
+                        <a:tabLst/>
+                        <a:defRPr/>
+                      </a:pPr>
+                      <a:r>
+                        <a:rPr kumimoji="1" lang="ja-JP" altLang="en-US" sz="1400" dirty="0"/>
+                        <a:t>・「</a:t>
+                      </a:r>
+                      <a:r>
+                        <a:rPr kumimoji="1" lang="ja-JP" altLang="en-US" sz="1400" dirty="0">
+                          <a:solidFill>
+                            <a:schemeClr val="bg1"/>
+                          </a:solidFill>
+                        </a:rPr>
+                        <a:t>所持金情報」を追加</a:t>
+                      </a:r>
+                      <a:endParaRPr kumimoji="1" lang="en-US" altLang="ja-JP" sz="1400" dirty="0"/>
+                    </a:p>
+                    <a:p>
+                      <a:endParaRPr kumimoji="1" lang="ja-JP" altLang="en-US" sz="1400" dirty="0"/>
+                    </a:p>
+                  </a:txBody>
+                  <a:tcPr/>
+                </a:tc>
+                <a:extLst>
+                  <a:ext uri="{0D108BD9-81ED-4DB2-BD59-A6C34878D82A}">
+                    <a16:rowId xmlns:a16="http://schemas.microsoft.com/office/drawing/2014/main" val="612715284"/>
+                  </a:ext>
+                </a:extLst>
+              </a:tr>
+            </a:tbl>
+          </a:graphicData>
+        </a:graphic>
+      </p:graphicFrame>
+    </p:spTree>
+    <p:extLst>
+      <p:ext uri="{BB962C8B-B14F-4D97-AF65-F5344CB8AC3E}">
+        <p14:creationId xmlns:p14="http://schemas.microsoft.com/office/powerpoint/2010/main" val="1071868428"/>
+      </p:ext>
+    </p:extLst>
+  </p:cSld>
+  <p:clrMapOvr>
+    <a:masterClrMapping/>
+  </p:clrMapOvr>
+</p:sld>
+</file>
+
 <file path=ppt/theme/theme1.xml><?xml version="1.0" encoding="utf-8"?>
 <a:theme xmlns:a="http://schemas.openxmlformats.org/drawingml/2006/main" name="イオン">
   <a:themeElements>

--- a/docs/基本設計/ワイヤーフレーム/ポーカー拡張 ワイヤーフレーム.pptx
+++ b/docs/基本設計/ワイヤーフレーム/ポーカー拡張 ワイヤーフレーム.pptx
@@ -9207,14 +9207,14 @@
           <p:nvPr>
             <p:extLst>
               <p:ext uri="{D42A27DB-BD31-4B8C-83A1-F6EECF244321}">
-                <p14:modId xmlns:p14="http://schemas.microsoft.com/office/powerpoint/2010/main" val="1967753698"/>
+                <p14:modId xmlns:p14="http://schemas.microsoft.com/office/powerpoint/2010/main" val="355112166"/>
               </p:ext>
             </p:extLst>
           </p:nvPr>
         </p:nvGraphicFramePr>
         <p:xfrm>
-          <a:off x="838616" y="1314702"/>
-          <a:ext cx="11016499" cy="4717130"/>
+          <a:off x="838617" y="1314702"/>
+          <a:ext cx="10096494" cy="5394960"/>
         </p:xfrm>
         <a:graphic>
           <a:graphicData uri="http://schemas.openxmlformats.org/drawingml/2006/table">
@@ -9223,35 +9223,35 @@
                 <a:tableStyleId>{5C22544A-7EE6-4342-B048-85BDC9FD1C3A}</a:tableStyleId>
               </a:tblPr>
               <a:tblGrid>
-                <a:gridCol w="1832110">
+                <a:gridCol w="1676159">
                   <a:extLst>
                     <a:ext uri="{9D8B030D-6E8A-4147-A177-3AD203B41FA5}">
                       <a16:colId xmlns:a16="http://schemas.microsoft.com/office/drawing/2014/main" val="1486918142"/>
                     </a:ext>
                   </a:extLst>
                 </a:gridCol>
-                <a:gridCol w="3465714">
+                <a:gridCol w="2525301">
                   <a:extLst>
                     <a:ext uri="{9D8B030D-6E8A-4147-A177-3AD203B41FA5}">
                       <a16:colId xmlns:a16="http://schemas.microsoft.com/office/drawing/2014/main" val="3994155353"/>
                     </a:ext>
                   </a:extLst>
                 </a:gridCol>
-                <a:gridCol w="1025223">
+                <a:gridCol w="2662588">
                   <a:extLst>
                     <a:ext uri="{9D8B030D-6E8A-4147-A177-3AD203B41FA5}">
                       <a16:colId xmlns:a16="http://schemas.microsoft.com/office/drawing/2014/main" val="40707195"/>
                     </a:ext>
                   </a:extLst>
                 </a:gridCol>
-                <a:gridCol w="1113098">
+                <a:gridCol w="429953">
                   <a:extLst>
                     <a:ext uri="{9D8B030D-6E8A-4147-A177-3AD203B41FA5}">
                       <a16:colId xmlns:a16="http://schemas.microsoft.com/office/drawing/2014/main" val="2980445947"/>
                     </a:ext>
                   </a:extLst>
                 </a:gridCol>
-                <a:gridCol w="3580354">
+                <a:gridCol w="2802493">
                   <a:extLst>
                     <a:ext uri="{9D8B030D-6E8A-4147-A177-3AD203B41FA5}">
                       <a16:colId xmlns:a16="http://schemas.microsoft.com/office/drawing/2014/main" val="3752109959"/>
@@ -9259,7 +9259,7 @@
                   </a:extLst>
                 </a:gridCol>
               </a:tblGrid>
-              <a:tr h="524126">
+              <a:tr h="785029">
                 <a:tc>
                   <a:txBody>
                     <a:bodyPr/>
@@ -9331,7 +9331,7 @@
                   </a:ext>
                 </a:extLst>
               </a:tr>
-              <a:tr h="1198001">
+              <a:tr h="995329">
                 <a:tc>
                   <a:txBody>
                     <a:bodyPr/>
@@ -9460,7 +9460,7 @@
                   </a:ext>
                 </a:extLst>
               </a:tr>
-              <a:tr h="2995003">
+              <a:tr h="2488322">
                 <a:tc>
                   <a:txBody>
                     <a:bodyPr/>
@@ -9491,6 +9491,40 @@
                     </a:p>
                     <a:p>
                       <a:endParaRPr kumimoji="1" lang="ja-JP" altLang="en-US" sz="1400" dirty="0"/>
+                    </a:p>
+                  </a:txBody>
+                  <a:tcPr/>
+                </a:tc>
+                <a:tc>
+                  <a:txBody>
+                    <a:bodyPr/>
+                    <a:lstStyle/>
+                    <a:p>
+                      <a:pPr marL="0" marR="0" lvl="0" indent="0" algn="ctr" defTabSz="457200" rtl="0" eaLnBrk="1" fontAlgn="auto" latinLnBrk="0" hangingPunct="1">
+                        <a:lnSpc>
+                          <a:spcPct val="100000"/>
+                        </a:lnSpc>
+                        <a:spcBef>
+                          <a:spcPts val="0"/>
+                        </a:spcBef>
+                        <a:spcAft>
+                          <a:spcPts val="0"/>
+                        </a:spcAft>
+                        <a:buClrTx/>
+                        <a:buSzTx/>
+                        <a:buFontTx/>
+                        <a:buNone/>
+                        <a:tabLst/>
+                        <a:defRPr/>
+                      </a:pPr>
+                      <a:r>
+                        <a:rPr kumimoji="1" lang="en-US" altLang="ja-JP" sz="1400" dirty="0"/>
+                        <a:t>-</a:t>
+                      </a:r>
+                      <a:endParaRPr kumimoji="1" lang="ja-JP" altLang="en-US" sz="1400" dirty="0"/>
+                    </a:p>
+                    <a:p>
+                      <a:endParaRPr kumimoji="1" lang="en-US" altLang="ja-JP" sz="1400" dirty="0"/>
                     </a:p>
                   </a:txBody>
                   <a:tcPr/>
@@ -9531,19 +9565,8 @@
                         <a:t>)</a:t>
                       </a:r>
                     </a:p>
-                  </a:txBody>
-                  <a:tcPr/>
-                </a:tc>
-                <a:tc>
-                  <a:txBody>
-                    <a:bodyPr/>
-                    <a:lstStyle/>
                     <a:p>
                       <a:pPr algn="ctr"/>
-                      <a:r>
-                        <a:rPr kumimoji="1" lang="en-US" altLang="ja-JP" sz="1400" dirty="0"/>
-                        <a:t>-</a:t>
-                      </a:r>
                       <a:endParaRPr kumimoji="1" lang="ja-JP" altLang="en-US" sz="1400" dirty="0"/>
                     </a:p>
                   </a:txBody>

--- a/docs/基本設計/ワイヤーフレーム/ポーカー拡張 ワイヤーフレーム.pptx
+++ b/docs/基本設計/ワイヤーフレーム/ポーカー拡張 ワイヤーフレーム.pptx
@@ -12,6 +12,7 @@
     <p:sldId id="261" r:id="rId6"/>
     <p:sldId id="262" r:id="rId7"/>
     <p:sldId id="263" r:id="rId8"/>
+    <p:sldId id="264" r:id="rId9"/>
   </p:sldIdLst>
   <p:sldSz cx="12192000" cy="6858000"/>
   <p:notesSz cx="6858000" cy="9144000"/>
@@ -304,7 +305,7 @@
           <a:p>
             <a:fld id="{785A0BD1-29D6-4752-A5E1-17D5BBF1E555}" type="datetimeFigureOut">
               <a:rPr kumimoji="1" lang="ja-JP" altLang="en-US" smtClean="0"/>
-              <a:t>2019/1/20</a:t>
+              <a:t>2019/1/23</a:t>
             </a:fld>
             <a:endParaRPr kumimoji="1" lang="ja-JP" altLang="en-US"/>
           </a:p>
@@ -579,7 +580,7 @@
           <a:p>
             <a:fld id="{785A0BD1-29D6-4752-A5E1-17D5BBF1E555}" type="datetimeFigureOut">
               <a:rPr kumimoji="1" lang="ja-JP" altLang="en-US" smtClean="0"/>
-              <a:t>2019/1/20</a:t>
+              <a:t>2019/1/23</a:t>
             </a:fld>
             <a:endParaRPr kumimoji="1" lang="ja-JP" altLang="en-US"/>
           </a:p>
@@ -773,7 +774,7 @@
           <a:p>
             <a:fld id="{785A0BD1-29D6-4752-A5E1-17D5BBF1E555}" type="datetimeFigureOut">
               <a:rPr kumimoji="1" lang="ja-JP" altLang="en-US" smtClean="0"/>
-              <a:t>2019/1/20</a:t>
+              <a:t>2019/1/23</a:t>
             </a:fld>
             <a:endParaRPr kumimoji="1" lang="ja-JP" altLang="en-US"/>
           </a:p>
@@ -1046,7 +1047,7 @@
           <a:p>
             <a:fld id="{785A0BD1-29D6-4752-A5E1-17D5BBF1E555}" type="datetimeFigureOut">
               <a:rPr kumimoji="1" lang="ja-JP" altLang="en-US" smtClean="0"/>
-              <a:t>2019/1/20</a:t>
+              <a:t>2019/1/23</a:t>
             </a:fld>
             <a:endParaRPr kumimoji="1" lang="ja-JP" altLang="en-US"/>
           </a:p>
@@ -1387,7 +1388,7 @@
           <a:p>
             <a:fld id="{785A0BD1-29D6-4752-A5E1-17D5BBF1E555}" type="datetimeFigureOut">
               <a:rPr kumimoji="1" lang="ja-JP" altLang="en-US" smtClean="0"/>
-              <a:t>2019/1/20</a:t>
+              <a:t>2019/1/23</a:t>
             </a:fld>
             <a:endParaRPr kumimoji="1" lang="ja-JP" altLang="en-US"/>
           </a:p>
@@ -2010,7 +2011,7 @@
           <a:p>
             <a:fld id="{785A0BD1-29D6-4752-A5E1-17D5BBF1E555}" type="datetimeFigureOut">
               <a:rPr kumimoji="1" lang="ja-JP" altLang="en-US" smtClean="0"/>
-              <a:t>2019/1/20</a:t>
+              <a:t>2019/1/23</a:t>
             </a:fld>
             <a:endParaRPr kumimoji="1" lang="ja-JP" altLang="en-US"/>
           </a:p>
@@ -2870,7 +2871,7 @@
           <a:p>
             <a:fld id="{785A0BD1-29D6-4752-A5E1-17D5BBF1E555}" type="datetimeFigureOut">
               <a:rPr kumimoji="1" lang="ja-JP" altLang="en-US" smtClean="0"/>
-              <a:t>2019/1/20</a:t>
+              <a:t>2019/1/23</a:t>
             </a:fld>
             <a:endParaRPr kumimoji="1" lang="ja-JP" altLang="en-US"/>
           </a:p>
@@ -3072,7 +3073,7 @@
           <a:p>
             <a:fld id="{785A0BD1-29D6-4752-A5E1-17D5BBF1E555}" type="datetimeFigureOut">
               <a:rPr kumimoji="1" lang="ja-JP" altLang="en-US" smtClean="0"/>
-              <a:t>2019/1/20</a:t>
+              <a:t>2019/1/23</a:t>
             </a:fld>
             <a:endParaRPr kumimoji="1" lang="ja-JP" altLang="en-US"/>
           </a:p>
@@ -3284,7 +3285,7 @@
           <a:p>
             <a:fld id="{785A0BD1-29D6-4752-A5E1-17D5BBF1E555}" type="datetimeFigureOut">
               <a:rPr kumimoji="1" lang="ja-JP" altLang="en-US" smtClean="0"/>
-              <a:t>2019/1/20</a:t>
+              <a:t>2019/1/23</a:t>
             </a:fld>
             <a:endParaRPr kumimoji="1" lang="ja-JP" altLang="en-US"/>
           </a:p>
@@ -3486,7 +3487,7 @@
           <a:p>
             <a:fld id="{785A0BD1-29D6-4752-A5E1-17D5BBF1E555}" type="datetimeFigureOut">
               <a:rPr kumimoji="1" lang="ja-JP" altLang="en-US" smtClean="0"/>
-              <a:t>2019/1/20</a:t>
+              <a:t>2019/1/23</a:t>
             </a:fld>
             <a:endParaRPr kumimoji="1" lang="ja-JP" altLang="en-US"/>
           </a:p>
@@ -3733,7 +3734,7 @@
           <a:p>
             <a:fld id="{785A0BD1-29D6-4752-A5E1-17D5BBF1E555}" type="datetimeFigureOut">
               <a:rPr kumimoji="1" lang="ja-JP" altLang="en-US" smtClean="0"/>
-              <a:t>2019/1/20</a:t>
+              <a:t>2019/1/23</a:t>
             </a:fld>
             <a:endParaRPr kumimoji="1" lang="ja-JP" altLang="en-US"/>
           </a:p>
@@ -4089,7 +4090,7 @@
           <a:p>
             <a:fld id="{785A0BD1-29D6-4752-A5E1-17D5BBF1E555}" type="datetimeFigureOut">
               <a:rPr kumimoji="1" lang="ja-JP" altLang="en-US" smtClean="0"/>
-              <a:t>2019/1/20</a:t>
+              <a:t>2019/1/23</a:t>
             </a:fld>
             <a:endParaRPr kumimoji="1" lang="ja-JP" altLang="en-US"/>
           </a:p>
@@ -4597,7 +4598,7 @@
           <a:p>
             <a:fld id="{785A0BD1-29D6-4752-A5E1-17D5BBF1E555}" type="datetimeFigureOut">
               <a:rPr kumimoji="1" lang="ja-JP" altLang="en-US" smtClean="0"/>
-              <a:t>2019/1/20</a:t>
+              <a:t>2019/1/23</a:t>
             </a:fld>
             <a:endParaRPr kumimoji="1" lang="ja-JP" altLang="en-US"/>
           </a:p>
@@ -4715,7 +4716,7 @@
           <a:p>
             <a:fld id="{785A0BD1-29D6-4752-A5E1-17D5BBF1E555}" type="datetimeFigureOut">
               <a:rPr kumimoji="1" lang="ja-JP" altLang="en-US" smtClean="0"/>
-              <a:t>2019/1/20</a:t>
+              <a:t>2019/1/23</a:t>
             </a:fld>
             <a:endParaRPr kumimoji="1" lang="ja-JP" altLang="en-US"/>
           </a:p>
@@ -4810,7 +4811,7 @@
           <a:p>
             <a:fld id="{785A0BD1-29D6-4752-A5E1-17D5BBF1E555}" type="datetimeFigureOut">
               <a:rPr kumimoji="1" lang="ja-JP" altLang="en-US" smtClean="0"/>
-              <a:t>2019/1/20</a:t>
+              <a:t>2019/1/23</a:t>
             </a:fld>
             <a:endParaRPr kumimoji="1" lang="ja-JP" altLang="en-US"/>
           </a:p>
@@ -5121,7 +5122,7 @@
           <a:p>
             <a:fld id="{785A0BD1-29D6-4752-A5E1-17D5BBF1E555}" type="datetimeFigureOut">
               <a:rPr kumimoji="1" lang="ja-JP" altLang="en-US" smtClean="0"/>
-              <a:t>2019/1/20</a:t>
+              <a:t>2019/1/23</a:t>
             </a:fld>
             <a:endParaRPr kumimoji="1" lang="ja-JP" altLang="en-US"/>
           </a:p>
@@ -5396,7 +5397,7 @@
           <a:p>
             <a:fld id="{785A0BD1-29D6-4752-A5E1-17D5BBF1E555}" type="datetimeFigureOut">
               <a:rPr kumimoji="1" lang="ja-JP" altLang="en-US" smtClean="0"/>
-              <a:t>2019/1/20</a:t>
+              <a:t>2019/1/23</a:t>
             </a:fld>
             <a:endParaRPr kumimoji="1" lang="ja-JP" altLang="en-US"/>
           </a:p>
@@ -5857,7 +5858,7 @@
           <a:p>
             <a:fld id="{785A0BD1-29D6-4752-A5E1-17D5BBF1E555}" type="datetimeFigureOut">
               <a:rPr kumimoji="1" lang="ja-JP" altLang="en-US" smtClean="0"/>
-              <a:t>2019/1/20</a:t>
+              <a:t>2019/1/23</a:t>
             </a:fld>
             <a:endParaRPr kumimoji="1" lang="ja-JP" altLang="en-US"/>
           </a:p>
@@ -7831,8 +7832,8 @@
         </p:nvSpPr>
         <p:spPr>
           <a:xfrm>
-            <a:off x="7048602" y="2259999"/>
-            <a:ext cx="3835892" cy="470516"/>
+            <a:off x="8551234" y="2352369"/>
+            <a:ext cx="2077745" cy="470516"/>
           </a:xfrm>
           <a:prstGeom prst="rect">
             <a:avLst/>
@@ -7871,7 +7872,7 @@
                   <a:schemeClr val="bg1"/>
                 </a:solidFill>
               </a:rPr>
-              <a:t>ポーカースタート画面へのリンク</a:t>
+              <a:t>閉じるボタン</a:t>
             </a:r>
             <a:endParaRPr kumimoji="1" lang="en-US" altLang="ja-JP" dirty="0">
               <a:solidFill>
@@ -8389,7 +8390,7 @@
         </p:nvSpPr>
         <p:spPr>
           <a:xfrm>
-            <a:off x="3902122" y="4091050"/>
+            <a:off x="3902122" y="4192696"/>
             <a:ext cx="3977566" cy="643586"/>
           </a:xfrm>
           <a:prstGeom prst="rect">
@@ -8510,7 +8511,7 @@
         </p:nvSpPr>
         <p:spPr>
           <a:xfrm>
-            <a:off x="7185548" y="4877146"/>
+            <a:off x="7324093" y="5016502"/>
             <a:ext cx="1111187" cy="498629"/>
           </a:xfrm>
           <a:prstGeom prst="rect">
@@ -8569,7 +8570,7 @@
         </p:nvSpPr>
         <p:spPr>
           <a:xfrm>
-            <a:off x="3902122" y="3458517"/>
+            <a:off x="3902122" y="3530807"/>
             <a:ext cx="3977566" cy="451345"/>
           </a:xfrm>
           <a:prstGeom prst="rect">
@@ -8628,7 +8629,7 @@
         </p:nvSpPr>
         <p:spPr>
           <a:xfrm>
-            <a:off x="3902122" y="2820532"/>
+            <a:off x="3902122" y="2875848"/>
             <a:ext cx="3977565" cy="451345"/>
           </a:xfrm>
           <a:prstGeom prst="rect">
@@ -8670,6 +8671,70 @@
               </a:rPr>
               <a:t>エラーメッセージ</a:t>
             </a:r>
+          </a:p>
+        </p:txBody>
+      </p:sp>
+      <p:sp>
+        <p:nvSpPr>
+          <p:cNvPr id="10" name="正方形/長方形 9">
+            <a:extLst>
+              <a:ext uri="{FF2B5EF4-FFF2-40B4-BE49-F238E27FC236}">
+                <a16:creationId xmlns:a16="http://schemas.microsoft.com/office/drawing/2014/main" id="{681EA063-4FB7-404C-9B22-9CA54239016E}"/>
+              </a:ext>
+            </a:extLst>
+          </p:cNvPr>
+          <p:cNvSpPr/>
+          <p:nvPr/>
+        </p:nvSpPr>
+        <p:spPr>
+          <a:xfrm>
+            <a:off x="3905249" y="1825032"/>
+            <a:ext cx="3835892" cy="470516"/>
+          </a:xfrm>
+          <a:prstGeom prst="rect">
+            <a:avLst/>
+          </a:prstGeom>
+          <a:noFill/>
+          <a:ln>
+            <a:solidFill>
+              <a:schemeClr val="bg1"/>
+            </a:solidFill>
+          </a:ln>
+        </p:spPr>
+        <p:style>
+          <a:lnRef idx="2">
+            <a:schemeClr val="accent1">
+              <a:shade val="50000"/>
+            </a:schemeClr>
+          </a:lnRef>
+          <a:fillRef idx="1">
+            <a:schemeClr val="accent1"/>
+          </a:fillRef>
+          <a:effectRef idx="0">
+            <a:schemeClr val="accent1"/>
+          </a:effectRef>
+          <a:fontRef idx="minor">
+            <a:schemeClr val="lt1"/>
+          </a:fontRef>
+        </p:style>
+        <p:txBody>
+          <a:bodyPr rtlCol="0" anchor="ctr"/>
+          <a:lstStyle/>
+          <a:p>
+            <a:pPr algn="ctr"/>
+            <a:r>
+              <a:rPr kumimoji="1" lang="ja-JP" altLang="en-US" dirty="0">
+                <a:solidFill>
+                  <a:schemeClr val="bg1"/>
+                </a:solidFill>
+              </a:rPr>
+              <a:t>ヘッダー</a:t>
+            </a:r>
+            <a:endParaRPr kumimoji="1" lang="en-US" altLang="ja-JP" dirty="0">
+              <a:solidFill>
+                <a:schemeClr val="bg1"/>
+              </a:solidFill>
+            </a:endParaRPr>
           </a:p>
         </p:txBody>
       </p:sp>
@@ -8758,7 +8823,7 @@
         </p:nvSpPr>
         <p:spPr>
           <a:xfrm>
-            <a:off x="894234" y="1596736"/>
+            <a:off x="1001299" y="1372666"/>
             <a:ext cx="10189401" cy="4693228"/>
           </a:xfrm>
           <a:prstGeom prst="rect">
@@ -9076,7 +9141,7 @@
         </p:nvSpPr>
         <p:spPr>
           <a:xfrm>
-            <a:off x="3839799" y="2010964"/>
+            <a:off x="3839799" y="2324273"/>
             <a:ext cx="3977566" cy="776796"/>
           </a:xfrm>
           <a:prstGeom prst="rect">
@@ -9127,6 +9192,70 @@
               <a:t>(CPU)</a:t>
             </a:r>
             <a:endParaRPr kumimoji="1" lang="ja-JP" altLang="en-US" dirty="0">
+              <a:solidFill>
+                <a:schemeClr val="bg1"/>
+              </a:solidFill>
+            </a:endParaRPr>
+          </a:p>
+        </p:txBody>
+      </p:sp>
+      <p:sp>
+        <p:nvSpPr>
+          <p:cNvPr id="11" name="正方形/長方形 10">
+            <a:extLst>
+              <a:ext uri="{FF2B5EF4-FFF2-40B4-BE49-F238E27FC236}">
+                <a16:creationId xmlns:a16="http://schemas.microsoft.com/office/drawing/2014/main" id="{31067CB4-424F-4ADA-9C1B-F41E444DC491}"/>
+              </a:ext>
+            </a:extLst>
+          </p:cNvPr>
+          <p:cNvSpPr/>
+          <p:nvPr/>
+        </p:nvSpPr>
+        <p:spPr>
+          <a:xfrm>
+            <a:off x="3926055" y="1579510"/>
+            <a:ext cx="3835892" cy="470516"/>
+          </a:xfrm>
+          <a:prstGeom prst="rect">
+            <a:avLst/>
+          </a:prstGeom>
+          <a:noFill/>
+          <a:ln>
+            <a:solidFill>
+              <a:schemeClr val="bg1"/>
+            </a:solidFill>
+          </a:ln>
+        </p:spPr>
+        <p:style>
+          <a:lnRef idx="2">
+            <a:schemeClr val="accent1">
+              <a:shade val="50000"/>
+            </a:schemeClr>
+          </a:lnRef>
+          <a:fillRef idx="1">
+            <a:schemeClr val="accent1"/>
+          </a:fillRef>
+          <a:effectRef idx="0">
+            <a:schemeClr val="accent1"/>
+          </a:effectRef>
+          <a:fontRef idx="minor">
+            <a:schemeClr val="lt1"/>
+          </a:fontRef>
+        </p:style>
+        <p:txBody>
+          <a:bodyPr rtlCol="0" anchor="ctr"/>
+          <a:lstStyle/>
+          <a:p>
+            <a:pPr algn="ctr"/>
+            <a:r>
+              <a:rPr kumimoji="1" lang="ja-JP" altLang="en-US" dirty="0">
+                <a:solidFill>
+                  <a:schemeClr val="bg1"/>
+                </a:solidFill>
+              </a:rPr>
+              <a:t>ヘッダー</a:t>
+            </a:r>
+            <a:endParaRPr kumimoji="1" lang="en-US" altLang="ja-JP" dirty="0">
               <a:solidFill>
                 <a:schemeClr val="bg1"/>
               </a:solidFill>
@@ -9207,14 +9336,14 @@
           <p:nvPr>
             <p:extLst>
               <p:ext uri="{D42A27DB-BD31-4B8C-83A1-F6EECF244321}">
-                <p14:modId xmlns:p14="http://schemas.microsoft.com/office/powerpoint/2010/main" val="355112166"/>
+                <p14:modId xmlns:p14="http://schemas.microsoft.com/office/powerpoint/2010/main" val="1537152868"/>
               </p:ext>
             </p:extLst>
           </p:nvPr>
         </p:nvGraphicFramePr>
         <p:xfrm>
-          <a:off x="838617" y="1314702"/>
-          <a:ext cx="10096494" cy="5394960"/>
+          <a:off x="466002" y="1273139"/>
+          <a:ext cx="10096495" cy="5394960"/>
         </p:xfrm>
         <a:graphic>
           <a:graphicData uri="http://schemas.openxmlformats.org/drawingml/2006/table">
@@ -9223,38 +9352,45 @@
                 <a:tableStyleId>{5C22544A-7EE6-4342-B048-85BDC9FD1C3A}</a:tableStyleId>
               </a:tblPr>
               <a:tblGrid>
-                <a:gridCol w="1676159">
+                <a:gridCol w="1311989">
                   <a:extLst>
                     <a:ext uri="{9D8B030D-6E8A-4147-A177-3AD203B41FA5}">
                       <a16:colId xmlns:a16="http://schemas.microsoft.com/office/drawing/2014/main" val="1486918142"/>
                     </a:ext>
                   </a:extLst>
                 </a:gridCol>
-                <a:gridCol w="2525301">
+                <a:gridCol w="1976643">
                   <a:extLst>
                     <a:ext uri="{9D8B030D-6E8A-4147-A177-3AD203B41FA5}">
                       <a16:colId xmlns:a16="http://schemas.microsoft.com/office/drawing/2014/main" val="3994155353"/>
                     </a:ext>
                   </a:extLst>
                 </a:gridCol>
-                <a:gridCol w="2662588">
+                <a:gridCol w="2084102">
                   <a:extLst>
                     <a:ext uri="{9D8B030D-6E8A-4147-A177-3AD203B41FA5}">
                       <a16:colId xmlns:a16="http://schemas.microsoft.com/office/drawing/2014/main" val="40707195"/>
                     </a:ext>
                   </a:extLst>
                 </a:gridCol>
-                <a:gridCol w="429953">
+                <a:gridCol w="336539">
                   <a:extLst>
                     <a:ext uri="{9D8B030D-6E8A-4147-A177-3AD203B41FA5}">
                       <a16:colId xmlns:a16="http://schemas.microsoft.com/office/drawing/2014/main" val="2980445947"/>
                     </a:ext>
                   </a:extLst>
                 </a:gridCol>
-                <a:gridCol w="2802493">
+                <a:gridCol w="2857889">
                   <a:extLst>
                     <a:ext uri="{9D8B030D-6E8A-4147-A177-3AD203B41FA5}">
                       <a16:colId xmlns:a16="http://schemas.microsoft.com/office/drawing/2014/main" val="3752109959"/>
+                    </a:ext>
+                  </a:extLst>
+                </a:gridCol>
+                <a:gridCol w="1529333">
+                  <a:extLst>
+                    <a:ext uri="{9D8B030D-6E8A-4147-A177-3AD203B41FA5}">
+                      <a16:colId xmlns:a16="http://schemas.microsoft.com/office/drawing/2014/main" val="3764900159"/>
                     </a:ext>
                   </a:extLst>
                 </a:gridCol>
@@ -9320,6 +9456,19 @@
                       <a:r>
                         <a:rPr kumimoji="1" lang="ja-JP" altLang="en-US" sz="1400" dirty="0"/>
                         <a:t>改修内容</a:t>
+                      </a:r>
+                    </a:p>
+                  </a:txBody>
+                  <a:tcPr/>
+                </a:tc>
+                <a:tc>
+                  <a:txBody>
+                    <a:bodyPr/>
+                    <a:lstStyle/>
+                    <a:p>
+                      <a:r>
+                        <a:rPr kumimoji="1" lang="ja-JP" altLang="en-US" sz="1400" dirty="0"/>
+                        <a:t>作業日</a:t>
                       </a:r>
                     </a:p>
                   </a:txBody>
@@ -9450,6 +9599,20 @@
                         <a:rPr kumimoji="1" lang="ja-JP" altLang="en-US" sz="1400" dirty="0"/>
                         <a:t>新規作成</a:t>
                       </a:r>
+                    </a:p>
+                  </a:txBody>
+                  <a:tcPr/>
+                </a:tc>
+                <a:tc>
+                  <a:txBody>
+                    <a:bodyPr/>
+                    <a:lstStyle/>
+                    <a:p>
+                      <a:r>
+                        <a:rPr kumimoji="1" lang="en-US" altLang="ja-JP" sz="1400" dirty="0"/>
+                        <a:t>2018/12/31</a:t>
+                      </a:r>
+                      <a:endParaRPr kumimoji="1" lang="ja-JP" altLang="en-US" sz="1400" dirty="0"/>
                     </a:p>
                   </a:txBody>
                   <a:tcPr/>
@@ -9793,6 +9956,20 @@
                   </a:txBody>
                   <a:tcPr/>
                 </a:tc>
+                <a:tc>
+                  <a:txBody>
+                    <a:bodyPr/>
+                    <a:lstStyle/>
+                    <a:p>
+                      <a:r>
+                        <a:rPr kumimoji="1" lang="en-US" altLang="ja-JP" sz="1400" dirty="0"/>
+                        <a:t>2019/01/19</a:t>
+                      </a:r>
+                      <a:endParaRPr kumimoji="1" lang="ja-JP" altLang="en-US" sz="1400" dirty="0"/>
+                    </a:p>
+                  </a:txBody>
+                  <a:tcPr/>
+                </a:tc>
                 <a:extLst>
                   <a:ext uri="{0D108BD9-81ED-4DB2-BD59-A6C34878D82A}">
                     <a16:rowId xmlns:a16="http://schemas.microsoft.com/office/drawing/2014/main" val="612715284"/>
@@ -9807,6 +9984,553 @@
     <p:extLst>
       <p:ext uri="{BB962C8B-B14F-4D97-AF65-F5344CB8AC3E}">
         <p14:creationId xmlns:p14="http://schemas.microsoft.com/office/powerpoint/2010/main" val="1071868428"/>
+      </p:ext>
+    </p:extLst>
+  </p:cSld>
+  <p:clrMapOvr>
+    <a:masterClrMapping/>
+  </p:clrMapOvr>
+</p:sld>
+</file>
+
+<file path=ppt/slides/slide8.xml><?xml version="1.0" encoding="utf-8"?>
+<p:sld xmlns:a="http://schemas.openxmlformats.org/drawingml/2006/main" xmlns:r="http://schemas.openxmlformats.org/officeDocument/2006/relationships" xmlns:p="http://schemas.openxmlformats.org/presentationml/2006/main">
+  <p:cSld>
+    <p:spTree>
+      <p:nvGrpSpPr>
+        <p:cNvPr id="1" name=""/>
+        <p:cNvGrpSpPr/>
+        <p:nvPr/>
+      </p:nvGrpSpPr>
+      <p:grpSpPr>
+        <a:xfrm>
+          <a:off x="0" y="0"/>
+          <a:ext cx="0" cy="0"/>
+          <a:chOff x="0" y="0"/>
+          <a:chExt cx="0" cy="0"/>
+        </a:xfrm>
+      </p:grpSpPr>
+      <p:sp>
+        <p:nvSpPr>
+          <p:cNvPr id="2" name="タイトル 1">
+            <a:extLst>
+              <a:ext uri="{FF2B5EF4-FFF2-40B4-BE49-F238E27FC236}">
+                <a16:creationId xmlns:a16="http://schemas.microsoft.com/office/drawing/2014/main" id="{40002CE8-C368-4C16-B02C-05DF57DAD1D4}"/>
+              </a:ext>
+            </a:extLst>
+          </p:cNvPr>
+          <p:cNvSpPr>
+            <a:spLocks noGrp="1"/>
+          </p:cNvSpPr>
+          <p:nvPr>
+            <p:ph type="title"/>
+          </p:nvPr>
+        </p:nvSpPr>
+        <p:spPr/>
+        <p:txBody>
+          <a:bodyPr/>
+          <a:lstStyle/>
+          <a:p>
+            <a:r>
+              <a:rPr kumimoji="1" lang="ja-JP" altLang="en-US" dirty="0"/>
+              <a:t>改訂履歴</a:t>
+            </a:r>
+            <a:r>
+              <a:rPr lang="ja-JP" altLang="en-US" dirty="0"/>
+              <a:t>その</a:t>
+            </a:r>
+            <a:r>
+              <a:rPr lang="en-US" altLang="ja-JP" dirty="0"/>
+              <a:t>2</a:t>
+            </a:r>
+            <a:endParaRPr kumimoji="1" lang="ja-JP" altLang="en-US" dirty="0"/>
+          </a:p>
+        </p:txBody>
+      </p:sp>
+      <p:graphicFrame>
+        <p:nvGraphicFramePr>
+          <p:cNvPr id="5" name="表 4">
+            <a:extLst>
+              <a:ext uri="{FF2B5EF4-FFF2-40B4-BE49-F238E27FC236}">
+                <a16:creationId xmlns:a16="http://schemas.microsoft.com/office/drawing/2014/main" id="{C6C76650-A5D0-49E3-B1E0-C5E2C2FFCE4B}"/>
+              </a:ext>
+            </a:extLst>
+          </p:cNvPr>
+          <p:cNvGraphicFramePr>
+            <a:graphicFrameLocks noGrp="1"/>
+          </p:cNvGraphicFramePr>
+          <p:nvPr>
+            <p:extLst>
+              <p:ext uri="{D42A27DB-BD31-4B8C-83A1-F6EECF244321}">
+                <p14:modId xmlns:p14="http://schemas.microsoft.com/office/powerpoint/2010/main" val="2657391681"/>
+              </p:ext>
+            </p:extLst>
+          </p:nvPr>
+        </p:nvGraphicFramePr>
+        <p:xfrm>
+          <a:off x="646111" y="1314702"/>
+          <a:ext cx="10288999" cy="3596640"/>
+        </p:xfrm>
+        <a:graphic>
+          <a:graphicData uri="http://schemas.openxmlformats.org/drawingml/2006/table">
+            <a:tbl>
+              <a:tblPr firstRow="1" bandRow="1">
+                <a:tableStyleId>{5C22544A-7EE6-4342-B048-85BDC9FD1C3A}</a:tableStyleId>
+              </a:tblPr>
+              <a:tblGrid>
+                <a:gridCol w="1337004">
+                  <a:extLst>
+                    <a:ext uri="{9D8B030D-6E8A-4147-A177-3AD203B41FA5}">
+                      <a16:colId xmlns:a16="http://schemas.microsoft.com/office/drawing/2014/main" val="1486918142"/>
+                    </a:ext>
+                  </a:extLst>
+                </a:gridCol>
+                <a:gridCol w="2017883">
+                  <a:extLst>
+                    <a:ext uri="{9D8B030D-6E8A-4147-A177-3AD203B41FA5}">
+                      <a16:colId xmlns:a16="http://schemas.microsoft.com/office/drawing/2014/main" val="3994155353"/>
+                    </a:ext>
+                  </a:extLst>
+                </a:gridCol>
+                <a:gridCol w="2120286">
+                  <a:extLst>
+                    <a:ext uri="{9D8B030D-6E8A-4147-A177-3AD203B41FA5}">
+                      <a16:colId xmlns:a16="http://schemas.microsoft.com/office/drawing/2014/main" val="40707195"/>
+                    </a:ext>
+                  </a:extLst>
+                </a:gridCol>
+                <a:gridCol w="342956">
+                  <a:extLst>
+                    <a:ext uri="{9D8B030D-6E8A-4147-A177-3AD203B41FA5}">
+                      <a16:colId xmlns:a16="http://schemas.microsoft.com/office/drawing/2014/main" val="2980445947"/>
+                    </a:ext>
+                  </a:extLst>
+                </a:gridCol>
+                <a:gridCol w="3026124">
+                  <a:extLst>
+                    <a:ext uri="{9D8B030D-6E8A-4147-A177-3AD203B41FA5}">
+                      <a16:colId xmlns:a16="http://schemas.microsoft.com/office/drawing/2014/main" val="3752109959"/>
+                    </a:ext>
+                  </a:extLst>
+                </a:gridCol>
+                <a:gridCol w="1444746">
+                  <a:extLst>
+                    <a:ext uri="{9D8B030D-6E8A-4147-A177-3AD203B41FA5}">
+                      <a16:colId xmlns:a16="http://schemas.microsoft.com/office/drawing/2014/main" val="1483837839"/>
+                    </a:ext>
+                  </a:extLst>
+                </a:gridCol>
+              </a:tblGrid>
+              <a:tr h="908429">
+                <a:tc>
+                  <a:txBody>
+                    <a:bodyPr/>
+                    <a:lstStyle/>
+                    <a:p>
+                      <a:r>
+                        <a:rPr kumimoji="1" lang="ja-JP" altLang="en-US" sz="1400" dirty="0"/>
+                        <a:t>バージョン</a:t>
+                      </a:r>
+                    </a:p>
+                  </a:txBody>
+                  <a:tcPr/>
+                </a:tc>
+                <a:tc>
+                  <a:txBody>
+                    <a:bodyPr/>
+                    <a:lstStyle/>
+                    <a:p>
+                      <a:r>
+                        <a:rPr kumimoji="1" lang="ja-JP" altLang="en-US" sz="1400" dirty="0"/>
+                        <a:t>新規作成</a:t>
+                      </a:r>
+                    </a:p>
+                  </a:txBody>
+                  <a:tcPr/>
+                </a:tc>
+                <a:tc>
+                  <a:txBody>
+                    <a:bodyPr/>
+                    <a:lstStyle/>
+                    <a:p>
+                      <a:r>
+                        <a:rPr kumimoji="1" lang="ja-JP" altLang="en-US" sz="1400" dirty="0"/>
+                        <a:t>改修対象</a:t>
+                      </a:r>
+                    </a:p>
+                  </a:txBody>
+                  <a:tcPr/>
+                </a:tc>
+                <a:tc>
+                  <a:txBody>
+                    <a:bodyPr/>
+                    <a:lstStyle/>
+                    <a:p>
+                      <a:r>
+                        <a:rPr kumimoji="1" lang="ja-JP" altLang="en-US" sz="1400" dirty="0"/>
+                        <a:t>削除対象</a:t>
+                      </a:r>
+                    </a:p>
+                  </a:txBody>
+                  <a:tcPr/>
+                </a:tc>
+                <a:tc>
+                  <a:txBody>
+                    <a:bodyPr/>
+                    <a:lstStyle/>
+                    <a:p>
+                      <a:r>
+                        <a:rPr kumimoji="1" lang="ja-JP" altLang="en-US" sz="1400" dirty="0"/>
+                        <a:t>改修内容</a:t>
+                      </a:r>
+                    </a:p>
+                  </a:txBody>
+                  <a:tcPr/>
+                </a:tc>
+                <a:tc>
+                  <a:txBody>
+                    <a:bodyPr/>
+                    <a:lstStyle/>
+                    <a:p>
+                      <a:r>
+                        <a:rPr kumimoji="1" lang="ja-JP" altLang="en-US" sz="1400" dirty="0"/>
+                        <a:t>作業日</a:t>
+                      </a:r>
+                    </a:p>
+                  </a:txBody>
+                  <a:tcPr/>
+                </a:tc>
+                <a:extLst>
+                  <a:ext uri="{0D108BD9-81ED-4DB2-BD59-A6C34878D82A}">
+                    <a16:rowId xmlns:a16="http://schemas.microsoft.com/office/drawing/2014/main" val="667090956"/>
+                  </a:ext>
+                </a:extLst>
+              </a:tr>
+              <a:tr h="995329">
+                <a:tc>
+                  <a:txBody>
+                    <a:bodyPr/>
+                    <a:lstStyle/>
+                    <a:p>
+                      <a:r>
+                        <a:rPr kumimoji="1" lang="en-US" altLang="ja-JP" sz="1400" dirty="0"/>
+                        <a:t>V2.1</a:t>
+                      </a:r>
+                      <a:endParaRPr kumimoji="1" lang="ja-JP" altLang="en-US" sz="1400" dirty="0"/>
+                    </a:p>
+                  </a:txBody>
+                  <a:tcPr/>
+                </a:tc>
+                <a:tc>
+                  <a:txBody>
+                    <a:bodyPr/>
+                    <a:lstStyle/>
+                    <a:p>
+                      <a:pPr algn="ctr"/>
+                      <a:r>
+                        <a:rPr kumimoji="1" lang="en-US" altLang="ja-JP" sz="1400" dirty="0"/>
+                        <a:t>-</a:t>
+                      </a:r>
+                    </a:p>
+                    <a:p>
+                      <a:endParaRPr kumimoji="1" lang="ja-JP" altLang="en-US" sz="1400" dirty="0"/>
+                    </a:p>
+                  </a:txBody>
+                  <a:tcPr/>
+                </a:tc>
+                <a:tc>
+                  <a:txBody>
+                    <a:bodyPr/>
+                    <a:lstStyle/>
+                    <a:p>
+                      <a:r>
+                        <a:rPr kumimoji="1" lang="ja-JP" altLang="en-US" sz="1400" dirty="0"/>
+                        <a:t>ランキング表示画面</a:t>
+                      </a:r>
+                      <a:endParaRPr kumimoji="1" lang="en-US" altLang="ja-JP" sz="1400" dirty="0"/>
+                    </a:p>
+                    <a:p>
+                      <a:r>
+                        <a:rPr kumimoji="1" lang="ja-JP" altLang="en-US" sz="1400" dirty="0"/>
+                        <a:t>ベット画面</a:t>
+                      </a:r>
+                      <a:r>
+                        <a:rPr kumimoji="1" lang="en-US" altLang="ja-JP" sz="1400" dirty="0"/>
+                        <a:t>(</a:t>
+                      </a:r>
+                      <a:r>
+                        <a:rPr lang="ja-JP" altLang="en-US" sz="1400" dirty="0"/>
+                        <a:t>ベット額を決める</a:t>
+                      </a:r>
+                      <a:r>
+                        <a:rPr kumimoji="1" lang="en-US" altLang="ja-JP" sz="1400" dirty="0"/>
+                        <a:t>)</a:t>
+                      </a:r>
+                    </a:p>
+                    <a:p>
+                      <a:r>
+                        <a:rPr kumimoji="1" lang="ja-JP" altLang="en-US" sz="1400" dirty="0"/>
+                        <a:t>ベット画面</a:t>
+                      </a:r>
+                      <a:r>
+                        <a:rPr kumimoji="1" lang="en-US" altLang="ja-JP" sz="1400" dirty="0"/>
+                        <a:t>(</a:t>
+                      </a:r>
+                      <a:r>
+                        <a:rPr lang="ja-JP" altLang="en-US" sz="1400" dirty="0"/>
+                        <a:t>勝負するか決める</a:t>
+                      </a:r>
+                      <a:r>
+                        <a:rPr kumimoji="1" lang="en-US" altLang="ja-JP" sz="1400" dirty="0"/>
+                        <a:t>)</a:t>
+                      </a:r>
+                      <a:endParaRPr kumimoji="1" lang="ja-JP" altLang="en-US" sz="1400" dirty="0"/>
+                    </a:p>
+                  </a:txBody>
+                  <a:tcPr/>
+                </a:tc>
+                <a:tc>
+                  <a:txBody>
+                    <a:bodyPr/>
+                    <a:lstStyle/>
+                    <a:p>
+                      <a:pPr algn="ctr"/>
+                      <a:r>
+                        <a:rPr kumimoji="1" lang="en-US" altLang="ja-JP" sz="1400" dirty="0"/>
+                        <a:t>-</a:t>
+                      </a:r>
+                      <a:endParaRPr kumimoji="1" lang="ja-JP" altLang="en-US" sz="1400" dirty="0"/>
+                    </a:p>
+                  </a:txBody>
+                  <a:tcPr/>
+                </a:tc>
+                <a:tc>
+                  <a:txBody>
+                    <a:bodyPr/>
+                    <a:lstStyle/>
+                    <a:p>
+                      <a:r>
+                        <a:rPr kumimoji="1" lang="ja-JP" altLang="en-US" sz="1400" dirty="0"/>
+                        <a:t>ランキング表示画面</a:t>
+                      </a:r>
+                      <a:endParaRPr kumimoji="1" lang="en-US" altLang="ja-JP" sz="1400" dirty="0"/>
+                    </a:p>
+                    <a:p>
+                      <a:r>
+                        <a:rPr kumimoji="1" lang="en-US" altLang="ja-JP" sz="1400" dirty="0"/>
+                        <a:t>------------------------</a:t>
+                      </a:r>
+                    </a:p>
+                    <a:p>
+                      <a:pPr marL="0" marR="0" lvl="0" indent="0" algn="l" defTabSz="457200" rtl="0" eaLnBrk="1" fontAlgn="auto" latinLnBrk="0" hangingPunct="1">
+                        <a:lnSpc>
+                          <a:spcPct val="100000"/>
+                        </a:lnSpc>
+                        <a:spcBef>
+                          <a:spcPts val="0"/>
+                        </a:spcBef>
+                        <a:spcAft>
+                          <a:spcPts val="0"/>
+                        </a:spcAft>
+                        <a:buClrTx/>
+                        <a:buSzTx/>
+                        <a:buFontTx/>
+                        <a:buNone/>
+                        <a:tabLst/>
+                        <a:defRPr/>
+                      </a:pPr>
+                      <a:r>
+                        <a:rPr kumimoji="1" lang="ja-JP" altLang="en-US" sz="1400" dirty="0"/>
+                        <a:t>・「ポーカースタート画面へのリンク</a:t>
+                      </a:r>
+                      <a:r>
+                        <a:rPr kumimoji="1" lang="ja-JP" altLang="en-US" sz="1400" dirty="0">
+                          <a:solidFill>
+                            <a:schemeClr val="bg1"/>
+                          </a:solidFill>
+                        </a:rPr>
+                        <a:t>」を「閉じるボタン」に修正</a:t>
+                      </a:r>
+                      <a:endParaRPr kumimoji="1" lang="en-US" altLang="ja-JP" sz="1400" dirty="0">
+                        <a:solidFill>
+                          <a:schemeClr val="bg1"/>
+                        </a:solidFill>
+                      </a:endParaRPr>
+                    </a:p>
+                    <a:p>
+                      <a:pPr marL="0" marR="0" lvl="0" indent="0" algn="l" defTabSz="457200" rtl="0" eaLnBrk="1" fontAlgn="auto" latinLnBrk="0" hangingPunct="1">
+                        <a:lnSpc>
+                          <a:spcPct val="100000"/>
+                        </a:lnSpc>
+                        <a:spcBef>
+                          <a:spcPts val="0"/>
+                        </a:spcBef>
+                        <a:spcAft>
+                          <a:spcPts val="0"/>
+                        </a:spcAft>
+                        <a:buClrTx/>
+                        <a:buSzTx/>
+                        <a:buFontTx/>
+                        <a:buNone/>
+                        <a:tabLst/>
+                        <a:defRPr/>
+                      </a:pPr>
+                      <a:endParaRPr kumimoji="1" lang="en-US" altLang="ja-JP" sz="1400" dirty="0"/>
+                    </a:p>
+                    <a:p>
+                      <a:r>
+                        <a:rPr kumimoji="1" lang="ja-JP" altLang="en-US" sz="1400" dirty="0"/>
+                        <a:t>ベット画面</a:t>
+                      </a:r>
+                      <a:r>
+                        <a:rPr kumimoji="1" lang="en-US" altLang="ja-JP" sz="1400" dirty="0"/>
+                        <a:t>(</a:t>
+                      </a:r>
+                      <a:r>
+                        <a:rPr lang="ja-JP" altLang="en-US" sz="1400" dirty="0"/>
+                        <a:t>ベット額を決める</a:t>
+                      </a:r>
+                      <a:r>
+                        <a:rPr kumimoji="1" lang="en-US" altLang="ja-JP" sz="1400" dirty="0"/>
+                        <a:t>)</a:t>
+                      </a:r>
+                    </a:p>
+                    <a:p>
+                      <a:r>
+                        <a:rPr kumimoji="1" lang="en-US" altLang="ja-JP" sz="1400" dirty="0"/>
+                        <a:t>----------------------</a:t>
+                      </a:r>
+                    </a:p>
+                    <a:p>
+                      <a:r>
+                        <a:rPr kumimoji="1" lang="ja-JP" altLang="en-US" sz="1400" dirty="0"/>
+                        <a:t>・「ヘッダー</a:t>
+                      </a:r>
+                      <a:r>
+                        <a:rPr kumimoji="1" lang="ja-JP" altLang="en-US" sz="1400" dirty="0">
+                          <a:solidFill>
+                            <a:schemeClr val="bg1"/>
+                          </a:solidFill>
+                        </a:rPr>
+                        <a:t>」を追加</a:t>
+                      </a:r>
+                      <a:endParaRPr kumimoji="1" lang="en-US" altLang="ja-JP" sz="1400" dirty="0">
+                        <a:solidFill>
+                          <a:schemeClr val="bg1"/>
+                        </a:solidFill>
+                      </a:endParaRPr>
+                    </a:p>
+                    <a:p>
+                      <a:endParaRPr kumimoji="1" lang="en-US" altLang="ja-JP" sz="1400" dirty="0"/>
+                    </a:p>
+                    <a:p>
+                      <a:r>
+                        <a:rPr kumimoji="1" lang="ja-JP" altLang="en-US" sz="1400" dirty="0"/>
+                        <a:t>ベット画面</a:t>
+                      </a:r>
+                      <a:r>
+                        <a:rPr kumimoji="1" lang="en-US" altLang="ja-JP" sz="1400" dirty="0"/>
+                        <a:t>(</a:t>
+                      </a:r>
+                      <a:r>
+                        <a:rPr lang="ja-JP" altLang="en-US" sz="1400" dirty="0"/>
+                        <a:t>勝負するか決める</a:t>
+                      </a:r>
+                      <a:r>
+                        <a:rPr kumimoji="1" lang="en-US" altLang="ja-JP" sz="1400" dirty="0"/>
+                        <a:t>)</a:t>
+                      </a:r>
+                      <a:endParaRPr kumimoji="1" lang="ja-JP" altLang="en-US" sz="1400" dirty="0"/>
+                    </a:p>
+                    <a:p>
+                      <a:r>
+                        <a:rPr kumimoji="1" lang="en-US" altLang="ja-JP" sz="1400" dirty="0"/>
+                        <a:t>----------------------------------</a:t>
+                      </a:r>
+                    </a:p>
+                    <a:p>
+                      <a:pPr marL="0" marR="0" lvl="0" indent="0" algn="l" defTabSz="457200" rtl="0" eaLnBrk="1" fontAlgn="auto" latinLnBrk="0" hangingPunct="1">
+                        <a:lnSpc>
+                          <a:spcPct val="100000"/>
+                        </a:lnSpc>
+                        <a:spcBef>
+                          <a:spcPts val="0"/>
+                        </a:spcBef>
+                        <a:spcAft>
+                          <a:spcPts val="0"/>
+                        </a:spcAft>
+                        <a:buClrTx/>
+                        <a:buSzTx/>
+                        <a:buFontTx/>
+                        <a:buNone/>
+                        <a:tabLst/>
+                        <a:defRPr/>
+                      </a:pPr>
+                      <a:r>
+                        <a:rPr kumimoji="1" lang="ja-JP" altLang="en-US" sz="1400" dirty="0"/>
+                        <a:t>・「</a:t>
+                      </a:r>
+                      <a:r>
+                        <a:rPr kumimoji="1" lang="ja-JP" altLang="en-US" sz="1400" dirty="0">
+                          <a:solidFill>
+                            <a:schemeClr val="bg1"/>
+                          </a:solidFill>
+                        </a:rPr>
+                        <a:t>ヘッダー」を追加</a:t>
+                      </a:r>
+                      <a:endParaRPr kumimoji="1" lang="en-US" altLang="ja-JP" sz="1400" dirty="0">
+                        <a:solidFill>
+                          <a:schemeClr val="bg1"/>
+                        </a:solidFill>
+                      </a:endParaRPr>
+                    </a:p>
+                  </a:txBody>
+                  <a:tcPr/>
+                </a:tc>
+                <a:tc>
+                  <a:txBody>
+                    <a:bodyPr/>
+                    <a:lstStyle/>
+                    <a:p>
+                      <a:pPr marL="0" marR="0" lvl="0" indent="0" algn="l" defTabSz="457200" rtl="0" eaLnBrk="1" fontAlgn="auto" latinLnBrk="0" hangingPunct="1">
+                        <a:lnSpc>
+                          <a:spcPct val="100000"/>
+                        </a:lnSpc>
+                        <a:spcBef>
+                          <a:spcPts val="0"/>
+                        </a:spcBef>
+                        <a:spcAft>
+                          <a:spcPts val="0"/>
+                        </a:spcAft>
+                        <a:buClrTx/>
+                        <a:buSzTx/>
+                        <a:buFontTx/>
+                        <a:buNone/>
+                        <a:tabLst/>
+                        <a:defRPr/>
+                      </a:pPr>
+                      <a:r>
+                        <a:rPr kumimoji="1" lang="en-US" altLang="ja-JP" sz="1400" dirty="0"/>
+                        <a:t>2019/01/23</a:t>
+                      </a:r>
+                    </a:p>
+                  </a:txBody>
+                  <a:tcPr/>
+                </a:tc>
+                <a:extLst>
+                  <a:ext uri="{0D108BD9-81ED-4DB2-BD59-A6C34878D82A}">
+                    <a16:rowId xmlns:a16="http://schemas.microsoft.com/office/drawing/2014/main" val="597729800"/>
+                  </a:ext>
+                </a:extLst>
+              </a:tr>
+            </a:tbl>
+          </a:graphicData>
+        </a:graphic>
+      </p:graphicFrame>
+    </p:spTree>
+    <p:extLst>
+      <p:ext uri="{BB962C8B-B14F-4D97-AF65-F5344CB8AC3E}">
+        <p14:creationId xmlns:p14="http://schemas.microsoft.com/office/powerpoint/2010/main" val="2796553449"/>
       </p:ext>
     </p:extLst>
   </p:cSld>

--- a/docs/基本設計/ワイヤーフレーム/ポーカー拡張 ワイヤーフレーム.pptx
+++ b/docs/基本設計/ワイヤーフレーム/ポーカー拡張 ワイヤーフレーム.pptx
@@ -8,11 +8,12 @@
     <p:sldId id="256" r:id="rId2"/>
     <p:sldId id="258" r:id="rId3"/>
     <p:sldId id="259" r:id="rId4"/>
-    <p:sldId id="260" r:id="rId5"/>
-    <p:sldId id="261" r:id="rId6"/>
-    <p:sldId id="262" r:id="rId7"/>
-    <p:sldId id="263" r:id="rId8"/>
-    <p:sldId id="264" r:id="rId9"/>
+    <p:sldId id="265" r:id="rId5"/>
+    <p:sldId id="260" r:id="rId6"/>
+    <p:sldId id="261" r:id="rId7"/>
+    <p:sldId id="262" r:id="rId8"/>
+    <p:sldId id="263" r:id="rId9"/>
+    <p:sldId id="264" r:id="rId10"/>
   </p:sldIdLst>
   <p:sldSz cx="12192000" cy="6858000"/>
   <p:notesSz cx="6858000" cy="9144000"/>
@@ -305,7 +306,7 @@
           <a:p>
             <a:fld id="{785A0BD1-29D6-4752-A5E1-17D5BBF1E555}" type="datetimeFigureOut">
               <a:rPr kumimoji="1" lang="ja-JP" altLang="en-US" smtClean="0"/>
-              <a:t>2019/1/23</a:t>
+              <a:t>2019/1/26</a:t>
             </a:fld>
             <a:endParaRPr kumimoji="1" lang="ja-JP" altLang="en-US"/>
           </a:p>
@@ -580,7 +581,7 @@
           <a:p>
             <a:fld id="{785A0BD1-29D6-4752-A5E1-17D5BBF1E555}" type="datetimeFigureOut">
               <a:rPr kumimoji="1" lang="ja-JP" altLang="en-US" smtClean="0"/>
-              <a:t>2019/1/23</a:t>
+              <a:t>2019/1/26</a:t>
             </a:fld>
             <a:endParaRPr kumimoji="1" lang="ja-JP" altLang="en-US"/>
           </a:p>
@@ -774,7 +775,7 @@
           <a:p>
             <a:fld id="{785A0BD1-29D6-4752-A5E1-17D5BBF1E555}" type="datetimeFigureOut">
               <a:rPr kumimoji="1" lang="ja-JP" altLang="en-US" smtClean="0"/>
-              <a:t>2019/1/23</a:t>
+              <a:t>2019/1/26</a:t>
             </a:fld>
             <a:endParaRPr kumimoji="1" lang="ja-JP" altLang="en-US"/>
           </a:p>
@@ -1047,7 +1048,7 @@
           <a:p>
             <a:fld id="{785A0BD1-29D6-4752-A5E1-17D5BBF1E555}" type="datetimeFigureOut">
               <a:rPr kumimoji="1" lang="ja-JP" altLang="en-US" smtClean="0"/>
-              <a:t>2019/1/23</a:t>
+              <a:t>2019/1/26</a:t>
             </a:fld>
             <a:endParaRPr kumimoji="1" lang="ja-JP" altLang="en-US"/>
           </a:p>
@@ -1388,7 +1389,7 @@
           <a:p>
             <a:fld id="{785A0BD1-29D6-4752-A5E1-17D5BBF1E555}" type="datetimeFigureOut">
               <a:rPr kumimoji="1" lang="ja-JP" altLang="en-US" smtClean="0"/>
-              <a:t>2019/1/23</a:t>
+              <a:t>2019/1/26</a:t>
             </a:fld>
             <a:endParaRPr kumimoji="1" lang="ja-JP" altLang="en-US"/>
           </a:p>
@@ -2011,7 +2012,7 @@
           <a:p>
             <a:fld id="{785A0BD1-29D6-4752-A5E1-17D5BBF1E555}" type="datetimeFigureOut">
               <a:rPr kumimoji="1" lang="ja-JP" altLang="en-US" smtClean="0"/>
-              <a:t>2019/1/23</a:t>
+              <a:t>2019/1/26</a:t>
             </a:fld>
             <a:endParaRPr kumimoji="1" lang="ja-JP" altLang="en-US"/>
           </a:p>
@@ -2871,7 +2872,7 @@
           <a:p>
             <a:fld id="{785A0BD1-29D6-4752-A5E1-17D5BBF1E555}" type="datetimeFigureOut">
               <a:rPr kumimoji="1" lang="ja-JP" altLang="en-US" smtClean="0"/>
-              <a:t>2019/1/23</a:t>
+              <a:t>2019/1/26</a:t>
             </a:fld>
             <a:endParaRPr kumimoji="1" lang="ja-JP" altLang="en-US"/>
           </a:p>
@@ -3073,7 +3074,7 @@
           <a:p>
             <a:fld id="{785A0BD1-29D6-4752-A5E1-17D5BBF1E555}" type="datetimeFigureOut">
               <a:rPr kumimoji="1" lang="ja-JP" altLang="en-US" smtClean="0"/>
-              <a:t>2019/1/23</a:t>
+              <a:t>2019/1/26</a:t>
             </a:fld>
             <a:endParaRPr kumimoji="1" lang="ja-JP" altLang="en-US"/>
           </a:p>
@@ -3285,7 +3286,7 @@
           <a:p>
             <a:fld id="{785A0BD1-29D6-4752-A5E1-17D5BBF1E555}" type="datetimeFigureOut">
               <a:rPr kumimoji="1" lang="ja-JP" altLang="en-US" smtClean="0"/>
-              <a:t>2019/1/23</a:t>
+              <a:t>2019/1/26</a:t>
             </a:fld>
             <a:endParaRPr kumimoji="1" lang="ja-JP" altLang="en-US"/>
           </a:p>
@@ -3487,7 +3488,7 @@
           <a:p>
             <a:fld id="{785A0BD1-29D6-4752-A5E1-17D5BBF1E555}" type="datetimeFigureOut">
               <a:rPr kumimoji="1" lang="ja-JP" altLang="en-US" smtClean="0"/>
-              <a:t>2019/1/23</a:t>
+              <a:t>2019/1/26</a:t>
             </a:fld>
             <a:endParaRPr kumimoji="1" lang="ja-JP" altLang="en-US"/>
           </a:p>
@@ -3734,7 +3735,7 @@
           <a:p>
             <a:fld id="{785A0BD1-29D6-4752-A5E1-17D5BBF1E555}" type="datetimeFigureOut">
               <a:rPr kumimoji="1" lang="ja-JP" altLang="en-US" smtClean="0"/>
-              <a:t>2019/1/23</a:t>
+              <a:t>2019/1/26</a:t>
             </a:fld>
             <a:endParaRPr kumimoji="1" lang="ja-JP" altLang="en-US"/>
           </a:p>
@@ -4090,7 +4091,7 @@
           <a:p>
             <a:fld id="{785A0BD1-29D6-4752-A5E1-17D5BBF1E555}" type="datetimeFigureOut">
               <a:rPr kumimoji="1" lang="ja-JP" altLang="en-US" smtClean="0"/>
-              <a:t>2019/1/23</a:t>
+              <a:t>2019/1/26</a:t>
             </a:fld>
             <a:endParaRPr kumimoji="1" lang="ja-JP" altLang="en-US"/>
           </a:p>
@@ -4598,7 +4599,7 @@
           <a:p>
             <a:fld id="{785A0BD1-29D6-4752-A5E1-17D5BBF1E555}" type="datetimeFigureOut">
               <a:rPr kumimoji="1" lang="ja-JP" altLang="en-US" smtClean="0"/>
-              <a:t>2019/1/23</a:t>
+              <a:t>2019/1/26</a:t>
             </a:fld>
             <a:endParaRPr kumimoji="1" lang="ja-JP" altLang="en-US"/>
           </a:p>
@@ -4716,7 +4717,7 @@
           <a:p>
             <a:fld id="{785A0BD1-29D6-4752-A5E1-17D5BBF1E555}" type="datetimeFigureOut">
               <a:rPr kumimoji="1" lang="ja-JP" altLang="en-US" smtClean="0"/>
-              <a:t>2019/1/23</a:t>
+              <a:t>2019/1/26</a:t>
             </a:fld>
             <a:endParaRPr kumimoji="1" lang="ja-JP" altLang="en-US"/>
           </a:p>
@@ -4811,7 +4812,7 @@
           <a:p>
             <a:fld id="{785A0BD1-29D6-4752-A5E1-17D5BBF1E555}" type="datetimeFigureOut">
               <a:rPr kumimoji="1" lang="ja-JP" altLang="en-US" smtClean="0"/>
-              <a:t>2019/1/23</a:t>
+              <a:t>2019/1/26</a:t>
             </a:fld>
             <a:endParaRPr kumimoji="1" lang="ja-JP" altLang="en-US"/>
           </a:p>
@@ -5122,7 +5123,7 @@
           <a:p>
             <a:fld id="{785A0BD1-29D6-4752-A5E1-17D5BBF1E555}" type="datetimeFigureOut">
               <a:rPr kumimoji="1" lang="ja-JP" altLang="en-US" smtClean="0"/>
-              <a:t>2019/1/23</a:t>
+              <a:t>2019/1/26</a:t>
             </a:fld>
             <a:endParaRPr kumimoji="1" lang="ja-JP" altLang="en-US"/>
           </a:p>
@@ -5397,7 +5398,7 @@
           <a:p>
             <a:fld id="{785A0BD1-29D6-4752-A5E1-17D5BBF1E555}" type="datetimeFigureOut">
               <a:rPr kumimoji="1" lang="ja-JP" altLang="en-US" smtClean="0"/>
-              <a:t>2019/1/23</a:t>
+              <a:t>2019/1/26</a:t>
             </a:fld>
             <a:endParaRPr kumimoji="1" lang="ja-JP" altLang="en-US"/>
           </a:p>
@@ -5858,7 +5859,7 @@
           <a:p>
             <a:fld id="{785A0BD1-29D6-4752-A5E1-17D5BBF1E555}" type="datetimeFigureOut">
               <a:rPr kumimoji="1" lang="ja-JP" altLang="en-US" smtClean="0"/>
-              <a:t>2019/1/23</a:t>
+              <a:t>2019/1/26</a:t>
             </a:fld>
             <a:endParaRPr kumimoji="1" lang="ja-JP" altLang="en-US"/>
           </a:p>
@@ -7623,6 +7624,297 @@
           <p:cNvPr id="2" name="タイトル 1">
             <a:extLst>
               <a:ext uri="{FF2B5EF4-FFF2-40B4-BE49-F238E27FC236}">
+                <a16:creationId xmlns:a16="http://schemas.microsoft.com/office/drawing/2014/main" id="{26A680E5-BB33-4425-8EFA-7D536F7491FD}"/>
+              </a:ext>
+            </a:extLst>
+          </p:cNvPr>
+          <p:cNvSpPr>
+            <a:spLocks noGrp="1"/>
+          </p:cNvSpPr>
+          <p:nvPr>
+            <p:ph type="title"/>
+          </p:nvPr>
+        </p:nvSpPr>
+        <p:spPr/>
+        <p:txBody>
+          <a:bodyPr/>
+          <a:lstStyle/>
+          <a:p>
+            <a:r>
+              <a:rPr lang="ja-JP" altLang="en-US" sz="4400" dirty="0"/>
+              <a:t>ログインサービスポップアップ</a:t>
+            </a:r>
+            <a:br>
+              <a:rPr lang="ja-JP" altLang="en-US" sz="4400" dirty="0"/>
+            </a:br>
+            <a:endParaRPr kumimoji="1" lang="ja-JP" altLang="en-US" dirty="0"/>
+          </a:p>
+        </p:txBody>
+      </p:sp>
+      <p:sp>
+        <p:nvSpPr>
+          <p:cNvPr id="3" name="正方形/長方形 2">
+            <a:extLst>
+              <a:ext uri="{FF2B5EF4-FFF2-40B4-BE49-F238E27FC236}">
+                <a16:creationId xmlns:a16="http://schemas.microsoft.com/office/drawing/2014/main" id="{B6C32AC9-6D5A-4B7B-AEB2-8E301004E034}"/>
+              </a:ext>
+            </a:extLst>
+          </p:cNvPr>
+          <p:cNvSpPr/>
+          <p:nvPr/>
+        </p:nvSpPr>
+        <p:spPr>
+          <a:xfrm>
+            <a:off x="847939" y="1531586"/>
+            <a:ext cx="10189401" cy="4693228"/>
+          </a:xfrm>
+          <a:prstGeom prst="rect">
+            <a:avLst/>
+          </a:prstGeom>
+          <a:solidFill>
+            <a:schemeClr val="tx1"/>
+          </a:solidFill>
+          <a:ln w="107950"/>
+        </p:spPr>
+        <p:style>
+          <a:lnRef idx="2">
+            <a:schemeClr val="accent1">
+              <a:shade val="50000"/>
+            </a:schemeClr>
+          </a:lnRef>
+          <a:fillRef idx="1">
+            <a:schemeClr val="accent1"/>
+          </a:fillRef>
+          <a:effectRef idx="0">
+            <a:schemeClr val="accent1"/>
+          </a:effectRef>
+          <a:fontRef idx="minor">
+            <a:schemeClr val="lt1"/>
+          </a:fontRef>
+        </p:style>
+        <p:txBody>
+          <a:bodyPr rtlCol="0" anchor="ctr"/>
+          <a:lstStyle/>
+          <a:p>
+            <a:pPr algn="ctr"/>
+            <a:endParaRPr kumimoji="1" lang="ja-JP" altLang="en-US" dirty="0"/>
+          </a:p>
+        </p:txBody>
+      </p:sp>
+      <p:sp>
+        <p:nvSpPr>
+          <p:cNvPr id="4" name="正方形/長方形 3">
+            <a:extLst>
+              <a:ext uri="{FF2B5EF4-FFF2-40B4-BE49-F238E27FC236}">
+                <a16:creationId xmlns:a16="http://schemas.microsoft.com/office/drawing/2014/main" id="{7EA065DC-5760-45F7-BD99-8FA94A89290D}"/>
+              </a:ext>
+            </a:extLst>
+          </p:cNvPr>
+          <p:cNvSpPr/>
+          <p:nvPr/>
+        </p:nvSpPr>
+        <p:spPr>
+          <a:xfrm>
+            <a:off x="3255819" y="2352138"/>
+            <a:ext cx="4959927" cy="3161971"/>
+          </a:xfrm>
+          <a:prstGeom prst="rect">
+            <a:avLst/>
+          </a:prstGeom>
+          <a:noFill/>
+          <a:ln>
+            <a:solidFill>
+              <a:schemeClr val="bg1"/>
+            </a:solidFill>
+          </a:ln>
+        </p:spPr>
+        <p:style>
+          <a:lnRef idx="2">
+            <a:schemeClr val="accent1">
+              <a:shade val="50000"/>
+            </a:schemeClr>
+          </a:lnRef>
+          <a:fillRef idx="1">
+            <a:schemeClr val="accent1"/>
+          </a:fillRef>
+          <a:effectRef idx="0">
+            <a:schemeClr val="accent1"/>
+          </a:effectRef>
+          <a:fontRef idx="minor">
+            <a:schemeClr val="lt1"/>
+          </a:fontRef>
+        </p:style>
+        <p:txBody>
+          <a:bodyPr rtlCol="0" anchor="ctr"/>
+          <a:lstStyle/>
+          <a:p>
+            <a:pPr algn="ctr"/>
+            <a:endParaRPr kumimoji="1" lang="ja-JP" altLang="en-US" dirty="0">
+              <a:solidFill>
+                <a:schemeClr val="bg1"/>
+              </a:solidFill>
+            </a:endParaRPr>
+          </a:p>
+        </p:txBody>
+      </p:sp>
+      <p:sp>
+        <p:nvSpPr>
+          <p:cNvPr id="5" name="正方形/長方形 4">
+            <a:extLst>
+              <a:ext uri="{FF2B5EF4-FFF2-40B4-BE49-F238E27FC236}">
+                <a16:creationId xmlns:a16="http://schemas.microsoft.com/office/drawing/2014/main" id="{63225FF7-8ABE-40B5-8C86-C458A9937795}"/>
+              </a:ext>
+            </a:extLst>
+          </p:cNvPr>
+          <p:cNvSpPr/>
+          <p:nvPr/>
+        </p:nvSpPr>
+        <p:spPr>
+          <a:xfrm>
+            <a:off x="4696909" y="4855898"/>
+            <a:ext cx="2077745" cy="470516"/>
+          </a:xfrm>
+          <a:prstGeom prst="rect">
+            <a:avLst/>
+          </a:prstGeom>
+          <a:noFill/>
+          <a:ln>
+            <a:solidFill>
+              <a:schemeClr val="bg1"/>
+            </a:solidFill>
+          </a:ln>
+        </p:spPr>
+        <p:style>
+          <a:lnRef idx="2">
+            <a:schemeClr val="accent1">
+              <a:shade val="50000"/>
+            </a:schemeClr>
+          </a:lnRef>
+          <a:fillRef idx="1">
+            <a:schemeClr val="accent1"/>
+          </a:fillRef>
+          <a:effectRef idx="0">
+            <a:schemeClr val="accent1"/>
+          </a:effectRef>
+          <a:fontRef idx="minor">
+            <a:schemeClr val="lt1"/>
+          </a:fontRef>
+        </p:style>
+        <p:txBody>
+          <a:bodyPr rtlCol="0" anchor="ctr"/>
+          <a:lstStyle/>
+          <a:p>
+            <a:pPr algn="ctr"/>
+            <a:r>
+              <a:rPr kumimoji="1" lang="ja-JP" altLang="en-US" dirty="0">
+                <a:solidFill>
+                  <a:schemeClr val="bg1"/>
+                </a:solidFill>
+              </a:rPr>
+              <a:t>閉じるボタン</a:t>
+            </a:r>
+            <a:endParaRPr kumimoji="1" lang="en-US" altLang="ja-JP" dirty="0">
+              <a:solidFill>
+                <a:schemeClr val="bg1"/>
+              </a:solidFill>
+            </a:endParaRPr>
+          </a:p>
+        </p:txBody>
+      </p:sp>
+      <p:sp>
+        <p:nvSpPr>
+          <p:cNvPr id="6" name="正方形/長方形 5">
+            <a:extLst>
+              <a:ext uri="{FF2B5EF4-FFF2-40B4-BE49-F238E27FC236}">
+                <a16:creationId xmlns:a16="http://schemas.microsoft.com/office/drawing/2014/main" id="{C4BB0BC8-A0AC-4C02-9FD4-D41CFB10CF79}"/>
+              </a:ext>
+            </a:extLst>
+          </p:cNvPr>
+          <p:cNvSpPr/>
+          <p:nvPr/>
+        </p:nvSpPr>
+        <p:spPr>
+          <a:xfrm>
+            <a:off x="3746998" y="2932116"/>
+            <a:ext cx="3977565" cy="1640734"/>
+          </a:xfrm>
+          <a:prstGeom prst="rect">
+            <a:avLst/>
+          </a:prstGeom>
+          <a:noFill/>
+          <a:ln>
+            <a:solidFill>
+              <a:schemeClr val="bg1"/>
+            </a:solidFill>
+          </a:ln>
+        </p:spPr>
+        <p:style>
+          <a:lnRef idx="2">
+            <a:schemeClr val="accent1">
+              <a:shade val="50000"/>
+            </a:schemeClr>
+          </a:lnRef>
+          <a:fillRef idx="1">
+            <a:schemeClr val="accent1"/>
+          </a:fillRef>
+          <a:effectRef idx="0">
+            <a:schemeClr val="accent1"/>
+          </a:effectRef>
+          <a:fontRef idx="minor">
+            <a:schemeClr val="lt1"/>
+          </a:fontRef>
+        </p:style>
+        <p:txBody>
+          <a:bodyPr rtlCol="0" anchor="ctr"/>
+          <a:lstStyle/>
+          <a:p>
+            <a:pPr algn="ctr"/>
+            <a:r>
+              <a:rPr kumimoji="1" lang="ja-JP" altLang="en-US" dirty="0">
+                <a:solidFill>
+                  <a:schemeClr val="bg1"/>
+                </a:solidFill>
+              </a:rPr>
+              <a:t>ログインサービスとして所持金が増えたことを表すメッセージ</a:t>
+            </a:r>
+          </a:p>
+        </p:txBody>
+      </p:sp>
+    </p:spTree>
+    <p:extLst>
+      <p:ext uri="{BB962C8B-B14F-4D97-AF65-F5344CB8AC3E}">
+        <p14:creationId xmlns:p14="http://schemas.microsoft.com/office/powerpoint/2010/main" val="3011113686"/>
+      </p:ext>
+    </p:extLst>
+  </p:cSld>
+  <p:clrMapOvr>
+    <a:masterClrMapping/>
+  </p:clrMapOvr>
+</p:sld>
+</file>
+
+<file path=ppt/slides/slide5.xml><?xml version="1.0" encoding="utf-8"?>
+<p:sld xmlns:a="http://schemas.openxmlformats.org/drawingml/2006/main" xmlns:r="http://schemas.openxmlformats.org/officeDocument/2006/relationships" xmlns:p="http://schemas.openxmlformats.org/presentationml/2006/main">
+  <p:cSld>
+    <p:spTree>
+      <p:nvGrpSpPr>
+        <p:cNvPr id="1" name=""/>
+        <p:cNvGrpSpPr/>
+        <p:nvPr/>
+      </p:nvGrpSpPr>
+      <p:grpSpPr>
+        <a:xfrm>
+          <a:off x="0" y="0"/>
+          <a:ext cx="0" cy="0"/>
+          <a:chOff x="0" y="0"/>
+          <a:chExt cx="0" cy="0"/>
+        </a:xfrm>
+      </p:grpSpPr>
+      <p:sp>
+        <p:nvSpPr>
+          <p:cNvPr id="2" name="タイトル 1">
+            <a:extLst>
+              <a:ext uri="{FF2B5EF4-FFF2-40B4-BE49-F238E27FC236}">
                 <a16:creationId xmlns:a16="http://schemas.microsoft.com/office/drawing/2014/main" id="{8F27D352-4303-40AB-B2FC-16617110E96D}"/>
               </a:ext>
             </a:extLst>
@@ -8268,7 +8560,7 @@
 </p:sld>
 </file>
 
-<file path=ppt/slides/slide5.xml><?xml version="1.0" encoding="utf-8"?>
+<file path=ppt/slides/slide6.xml><?xml version="1.0" encoding="utf-8"?>
 <p:sld xmlns:a="http://schemas.openxmlformats.org/drawingml/2006/main" xmlns:r="http://schemas.openxmlformats.org/officeDocument/2006/relationships" xmlns:p="http://schemas.openxmlformats.org/presentationml/2006/main">
   <p:cSld>
     <p:spTree>
@@ -8751,7 +9043,7 @@
 </p:sld>
 </file>
 
-<file path=ppt/slides/slide6.xml><?xml version="1.0" encoding="utf-8"?>
+<file path=ppt/slides/slide7.xml><?xml version="1.0" encoding="utf-8"?>
 <p:sld xmlns:a="http://schemas.openxmlformats.org/drawingml/2006/main" xmlns:r="http://schemas.openxmlformats.org/officeDocument/2006/relationships" xmlns:p="http://schemas.openxmlformats.org/presentationml/2006/main">
   <p:cSld>
     <p:spTree>
@@ -9276,7 +9568,7 @@
 </p:sld>
 </file>
 
-<file path=ppt/slides/slide7.xml><?xml version="1.0" encoding="utf-8"?>
+<file path=ppt/slides/slide8.xml><?xml version="1.0" encoding="utf-8"?>
 <p:sld xmlns:a="http://schemas.openxmlformats.org/drawingml/2006/main" xmlns:r="http://schemas.openxmlformats.org/officeDocument/2006/relationships" xmlns:p="http://schemas.openxmlformats.org/presentationml/2006/main">
   <p:cSld>
     <p:spTree>
@@ -9336,14 +9628,14 @@
           <p:nvPr>
             <p:extLst>
               <p:ext uri="{D42A27DB-BD31-4B8C-83A1-F6EECF244321}">
-                <p14:modId xmlns:p14="http://schemas.microsoft.com/office/powerpoint/2010/main" val="1537152868"/>
+                <p14:modId xmlns:p14="http://schemas.microsoft.com/office/powerpoint/2010/main" val="2485874877"/>
               </p:ext>
             </p:extLst>
           </p:nvPr>
         </p:nvGraphicFramePr>
         <p:xfrm>
           <a:off x="466002" y="1273139"/>
-          <a:ext cx="10096495" cy="5394960"/>
+          <a:ext cx="10096495" cy="5455490"/>
         </p:xfrm>
         <a:graphic>
           <a:graphicData uri="http://schemas.openxmlformats.org/drawingml/2006/table">
@@ -9395,7 +9687,7 @@
                   </a:extLst>
                 </a:gridCol>
               </a:tblGrid>
-              <a:tr h="785029">
+              <a:tr h="1005410">
                 <a:tc>
                   <a:txBody>
                     <a:bodyPr/>
@@ -9993,7 +10285,7 @@
 </p:sld>
 </file>
 
-<file path=ppt/slides/slide8.xml><?xml version="1.0" encoding="utf-8"?>
+<file path=ppt/slides/slide9.xml><?xml version="1.0" encoding="utf-8"?>
 <p:sld xmlns:a="http://schemas.openxmlformats.org/drawingml/2006/main" xmlns:r="http://schemas.openxmlformats.org/officeDocument/2006/relationships" xmlns:p="http://schemas.openxmlformats.org/presentationml/2006/main">
   <p:cSld>
     <p:spTree>
@@ -10062,14 +10354,14 @@
           <p:nvPr>
             <p:extLst>
               <p:ext uri="{D42A27DB-BD31-4B8C-83A1-F6EECF244321}">
-                <p14:modId xmlns:p14="http://schemas.microsoft.com/office/powerpoint/2010/main" val="2657391681"/>
+                <p14:modId xmlns:p14="http://schemas.microsoft.com/office/powerpoint/2010/main" val="2640796230"/>
               </p:ext>
             </p:extLst>
           </p:nvPr>
         </p:nvGraphicFramePr>
         <p:xfrm>
           <a:off x="646111" y="1314702"/>
-          <a:ext cx="10288999" cy="3596640"/>
+          <a:ext cx="10889336" cy="4555518"/>
         </p:xfrm>
         <a:graphic>
           <a:graphicData uri="http://schemas.openxmlformats.org/drawingml/2006/table">
@@ -10099,7 +10391,7 @@
                     </a:ext>
                   </a:extLst>
                 </a:gridCol>
-                <a:gridCol w="342956">
+                <a:gridCol w="943293">
                   <a:extLst>
                     <a:ext uri="{9D8B030D-6E8A-4147-A177-3AD203B41FA5}">
                       <a16:colId xmlns:a16="http://schemas.microsoft.com/office/drawing/2014/main" val="2980445947"/>
@@ -10523,6 +10815,113 @@
                   </a:ext>
                 </a:extLst>
               </a:tr>
+              <a:tr h="995329">
+                <a:tc>
+                  <a:txBody>
+                    <a:bodyPr/>
+                    <a:lstStyle/>
+                    <a:p>
+                      <a:r>
+                        <a:rPr kumimoji="1" lang="en-US" altLang="ja-JP" sz="1400" dirty="0"/>
+                        <a:t>V2.2</a:t>
+                      </a:r>
+                      <a:endParaRPr kumimoji="1" lang="ja-JP" altLang="en-US" sz="1400" dirty="0"/>
+                    </a:p>
+                  </a:txBody>
+                  <a:tcPr/>
+                </a:tc>
+                <a:tc>
+                  <a:txBody>
+                    <a:bodyPr/>
+                    <a:lstStyle/>
+                    <a:p>
+                      <a:r>
+                        <a:rPr kumimoji="1" lang="ja-JP" altLang="en-US" sz="1400" dirty="0"/>
+                        <a:t>ログインサービスポップアップ</a:t>
+                      </a:r>
+                    </a:p>
+                  </a:txBody>
+                  <a:tcPr/>
+                </a:tc>
+                <a:tc>
+                  <a:txBody>
+                    <a:bodyPr/>
+                    <a:lstStyle/>
+                    <a:p>
+                      <a:pPr algn="ctr"/>
+                      <a:r>
+                        <a:rPr kumimoji="1" lang="en-US" altLang="ja-JP" sz="1400" dirty="0"/>
+                        <a:t>-</a:t>
+                      </a:r>
+                      <a:endParaRPr kumimoji="1" lang="ja-JP" altLang="en-US" sz="1400" dirty="0"/>
+                    </a:p>
+                  </a:txBody>
+                  <a:tcPr/>
+                </a:tc>
+                <a:tc>
+                  <a:txBody>
+                    <a:bodyPr/>
+                    <a:lstStyle/>
+                    <a:p>
+                      <a:pPr algn="ctr"/>
+                      <a:r>
+                        <a:rPr kumimoji="1" lang="en-US" altLang="ja-JP" sz="1400" dirty="0"/>
+                        <a:t>-</a:t>
+                      </a:r>
+                      <a:endParaRPr kumimoji="1" lang="ja-JP" altLang="en-US" sz="1400" dirty="0"/>
+                    </a:p>
+                  </a:txBody>
+                  <a:tcPr/>
+                </a:tc>
+                <a:tc>
+                  <a:txBody>
+                    <a:bodyPr/>
+                    <a:lstStyle/>
+                    <a:p>
+                      <a:r>
+                        <a:rPr kumimoji="1" lang="ja-JP" altLang="en-US" sz="1400" dirty="0"/>
+                        <a:t>新規作成</a:t>
+                      </a:r>
+                    </a:p>
+                  </a:txBody>
+                  <a:tcPr/>
+                </a:tc>
+                <a:tc>
+                  <a:txBody>
+                    <a:bodyPr/>
+                    <a:lstStyle/>
+                    <a:p>
+                      <a:pPr marL="0" marR="0" lvl="0" indent="0" algn="l" defTabSz="457200" rtl="0" eaLnBrk="1" fontAlgn="auto" latinLnBrk="0" hangingPunct="1">
+                        <a:lnSpc>
+                          <a:spcPct val="100000"/>
+                        </a:lnSpc>
+                        <a:spcBef>
+                          <a:spcPts val="0"/>
+                        </a:spcBef>
+                        <a:spcAft>
+                          <a:spcPts val="0"/>
+                        </a:spcAft>
+                        <a:buClrTx/>
+                        <a:buSzTx/>
+                        <a:buFontTx/>
+                        <a:buNone/>
+                        <a:tabLst/>
+                        <a:defRPr/>
+                      </a:pPr>
+                      <a:r>
+                        <a:rPr kumimoji="1" lang="en-US" altLang="ja-JP" sz="1400" dirty="0"/>
+                        <a:t>2019/01/26</a:t>
+                      </a:r>
+                    </a:p>
+                  </a:txBody>
+                  <a:tcPr/>
+                </a:tc>
+                <a:extLst>
+                  <a:ext uri="{0D108BD9-81ED-4DB2-BD59-A6C34878D82A}">
+                    <a16:rowId xmlns:a16="http://schemas.microsoft.com/office/drawing/2014/main" val="1486933177"/>
+                  </a:ext>
+                </a:extLst>
+              </a:tr>
             </a:tbl>
           </a:graphicData>
         </a:graphic>
